--- a/doc/adc.pptx
+++ b/doc/adc.pptx
@@ -6,7 +6,6 @@
   </p:sldMasterIdLst>
   <p:sldIdLst>
     <p:sldId id="257" r:id="rId2"/>
-    <p:sldId id="258" r:id="rId3"/>
   </p:sldIdLst>
   <p:sldSz cx="9144000" cy="6858000" type="screen4x3"/>
   <p:notesSz cx="6858000" cy="9144000"/>
@@ -4532,51 +4531,6 @@
           </a:p>
         </p:txBody>
       </p:sp>
-      <p:cxnSp>
-        <p:nvCxnSpPr>
-          <p:cNvPr id="66" name="直線コネクタ 65">
-            <a:extLst>
-              <a:ext uri="{FF2B5EF4-FFF2-40B4-BE49-F238E27FC236}">
-                <a16:creationId xmlns:a16="http://schemas.microsoft.com/office/drawing/2014/main" id="{F4E1893D-3B74-441B-9BF2-45B000832BE9}"/>
-              </a:ext>
-            </a:extLst>
-          </p:cNvPr>
-          <p:cNvCxnSpPr>
-            <a:cxnSpLocks/>
-          </p:cNvCxnSpPr>
-          <p:nvPr/>
-        </p:nvCxnSpPr>
-        <p:spPr>
-          <a:xfrm rot="5400000" flipH="1">
-            <a:off x="5039382" y="3461376"/>
-            <a:ext cx="735877" cy="0"/>
-          </a:xfrm>
-          <a:prstGeom prst="line">
-            <a:avLst/>
-          </a:prstGeom>
-          <a:ln>
-            <a:solidFill>
-              <a:srgbClr val="FF0000"/>
-            </a:solidFill>
-            <a:headEnd type="oval" w="med" len="med"/>
-            <a:tailEnd type="oval" w="med" len="med"/>
-          </a:ln>
-        </p:spPr>
-        <p:style>
-          <a:lnRef idx="1">
-            <a:schemeClr val="accent1"/>
-          </a:lnRef>
-          <a:fillRef idx="0">
-            <a:schemeClr val="accent1"/>
-          </a:fillRef>
-          <a:effectRef idx="0">
-            <a:schemeClr val="accent1"/>
-          </a:effectRef>
-          <a:fontRef idx="minor">
-            <a:schemeClr val="tx1"/>
-          </a:fontRef>
-        </p:style>
-      </p:cxnSp>
       <p:sp>
         <p:nvSpPr>
           <p:cNvPr id="67" name="正方形/長方形 66">
@@ -4628,46 +4582,6 @@
           <a:p>
             <a:pPr algn="ctr"/>
             <a:endParaRPr lang="en-US"/>
-          </a:p>
-        </p:txBody>
-      </p:sp>
-      <p:sp>
-        <p:nvSpPr>
-          <p:cNvPr id="219" name="テキスト ボックス 218">
-            <a:extLst>
-              <a:ext uri="{FF2B5EF4-FFF2-40B4-BE49-F238E27FC236}">
-                <a16:creationId xmlns:a16="http://schemas.microsoft.com/office/drawing/2014/main" id="{F8765206-0C82-4689-9B22-02658D56509D}"/>
-              </a:ext>
-            </a:extLst>
-          </p:cNvPr>
-          <p:cNvSpPr txBox="1"/>
-          <p:nvPr/>
-        </p:nvSpPr>
-        <p:spPr>
-          <a:xfrm rot="5400000" flipH="1">
-            <a:off x="5079855" y="3361211"/>
-            <a:ext cx="664444" cy="307777"/>
-          </a:xfrm>
-          <a:prstGeom prst="rect">
-            <a:avLst/>
-          </a:prstGeom>
-          <a:noFill/>
-        </p:spPr>
-        <p:txBody>
-          <a:bodyPr wrap="square" rtlCol="0">
-            <a:spAutoFit/>
-          </a:bodyPr>
-          <a:lstStyle/>
-          <a:p>
-            <a:r>
-              <a:rPr lang="en-US" sz="1400" dirty="0"/>
-              <a:t>51k</a:t>
-            </a:r>
-            <a:r>
-              <a:rPr lang="en-US" altLang="ja-JP" sz="1400" dirty="0"/>
-              <a:t>Ω</a:t>
-            </a:r>
-            <a:endParaRPr lang="en-US" sz="1400" dirty="0"/>
           </a:p>
         </p:txBody>
       </p:sp>
@@ -5219,8 +5133,8 @@
         </p:nvCxnSpPr>
         <p:spPr>
           <a:xfrm flipV="1">
-            <a:off x="4155051" y="4808689"/>
-            <a:ext cx="2264642" cy="7281"/>
+            <a:off x="4155051" y="4815971"/>
+            <a:ext cx="2012089" cy="1"/>
           </a:xfrm>
           <a:prstGeom prst="line">
             <a:avLst/>
@@ -6640,131 +6554,12 @@
           </a:fontRef>
         </p:style>
       </p:cxnSp>
-    </p:spTree>
-    <p:extLst>
-      <p:ext uri="{BB962C8B-B14F-4D97-AF65-F5344CB8AC3E}">
-        <p14:creationId xmlns:p14="http://schemas.microsoft.com/office/powerpoint/2010/main" val="2044281121"/>
-      </p:ext>
-    </p:extLst>
-  </p:cSld>
-  <p:clrMapOvr>
-    <a:masterClrMapping/>
-  </p:clrMapOvr>
-</p:sld>
-</file>
-
-<file path=ppt/slides/slide2.xml><?xml version="1.0" encoding="utf-8"?>
-<p:sld xmlns:a="http://schemas.openxmlformats.org/drawingml/2006/main" xmlns:r="http://schemas.openxmlformats.org/officeDocument/2006/relationships" xmlns:p="http://schemas.openxmlformats.org/presentationml/2006/main">
-  <p:cSld>
-    <p:spTree>
-      <p:nvGrpSpPr>
-        <p:cNvPr id="1" name=""/>
-        <p:cNvGrpSpPr/>
-        <p:nvPr/>
-      </p:nvGrpSpPr>
-      <p:grpSpPr>
-        <a:xfrm>
-          <a:off x="0" y="0"/>
-          <a:ext cx="0" cy="0"/>
-          <a:chOff x="0" y="0"/>
-          <a:chExt cx="0" cy="0"/>
-        </a:xfrm>
-      </p:grpSpPr>
-      <p:sp>
-        <p:nvSpPr>
-          <p:cNvPr id="4" name="テキスト ボックス 3">
-            <a:extLst>
-              <a:ext uri="{FF2B5EF4-FFF2-40B4-BE49-F238E27FC236}">
-                <a16:creationId xmlns:a16="http://schemas.microsoft.com/office/drawing/2014/main" id="{4CBED0FD-DDCD-4400-A806-232444DE8E10}"/>
-              </a:ext>
-            </a:extLst>
-          </p:cNvPr>
-          <p:cNvSpPr txBox="1"/>
-          <p:nvPr/>
-        </p:nvSpPr>
-        <p:spPr>
-          <a:xfrm>
-            <a:off x="2448626" y="5239501"/>
-            <a:ext cx="1243324" cy="307777"/>
-          </a:xfrm>
-          <a:prstGeom prst="rect">
-            <a:avLst/>
-          </a:prstGeom>
-          <a:noFill/>
-        </p:spPr>
-        <p:txBody>
-          <a:bodyPr wrap="square" rtlCol="0">
-            <a:spAutoFit/>
-          </a:bodyPr>
-          <a:lstStyle/>
-          <a:p>
-            <a:r>
-              <a:rPr lang="en-US" sz="1400" dirty="0"/>
-              <a:t>RX</a:t>
-            </a:r>
-          </a:p>
-        </p:txBody>
-      </p:sp>
-      <p:pic>
-        <p:nvPicPr>
-          <p:cNvPr id="5" name="Picture 2" descr="board_pattern.png">
-            <a:extLst>
-              <a:ext uri="{FF2B5EF4-FFF2-40B4-BE49-F238E27FC236}">
-                <a16:creationId xmlns:a16="http://schemas.microsoft.com/office/drawing/2014/main" id="{70B5C8B8-6C17-45A7-8B0F-410C9DD8653B}"/>
-              </a:ext>
-            </a:extLst>
-          </p:cNvPr>
-          <p:cNvPicPr>
-            <a:picLocks noChangeAspect="1" noChangeArrowheads="1"/>
-          </p:cNvPicPr>
-          <p:nvPr/>
-        </p:nvPicPr>
-        <p:blipFill>
-          <a:blip r:embed="rId2">
-            <a:duotone>
-              <a:schemeClr val="bg2">
-                <a:shade val="45000"/>
-                <a:satMod val="135000"/>
-              </a:schemeClr>
-              <a:prstClr val="white"/>
-            </a:duotone>
-            <a:extLst>
-              <a:ext uri="{28A0092B-C50C-407E-A947-70E740481C1C}">
-                <a14:useLocalDpi xmlns:a14="http://schemas.microsoft.com/office/drawing/2010/main" val="0"/>
-              </a:ext>
-            </a:extLst>
-          </a:blip>
-          <a:srcRect/>
-          <a:stretch>
-            <a:fillRect/>
-          </a:stretch>
-        </p:blipFill>
-        <p:spPr bwMode="auto">
-          <a:xfrm rot="5400000" flipH="1">
-            <a:off x="2644588" y="810200"/>
-            <a:ext cx="3686175" cy="4724400"/>
-          </a:xfrm>
-          <a:prstGeom prst="rect">
-            <a:avLst/>
-          </a:prstGeom>
-          <a:noFill/>
-          <a:extLst>
-            <a:ext uri="{909E8E84-426E-40DD-AFC4-6F175D3DCCD1}">
-              <a14:hiddenFill xmlns:a14="http://schemas.microsoft.com/office/drawing/2010/main">
-                <a:solidFill>
-                  <a:srgbClr val="FFFFFF"/>
-                </a:solidFill>
-              </a14:hiddenFill>
-            </a:ext>
-          </a:extLst>
-        </p:spPr>
-      </p:pic>
       <p:cxnSp>
         <p:nvCxnSpPr>
-          <p:cNvPr id="6" name="直線コネクタ 5">
-            <a:extLst>
-              <a:ext uri="{FF2B5EF4-FFF2-40B4-BE49-F238E27FC236}">
-                <a16:creationId xmlns:a16="http://schemas.microsoft.com/office/drawing/2014/main" id="{AB47A132-2DA5-45DE-B831-130A76A909DA}"/>
+          <p:cNvPr id="82" name="直線コネクタ 81">
+            <a:extLst>
+              <a:ext uri="{FF2B5EF4-FFF2-40B4-BE49-F238E27FC236}">
+                <a16:creationId xmlns:a16="http://schemas.microsoft.com/office/drawing/2014/main" id="{52865CA9-48F6-4AE3-81AE-45DE1FE0E7B5}"/>
               </a:ext>
             </a:extLst>
           </p:cNvPr>
@@ -6774,9 +6569,9 @@
           <p:nvPr/>
         </p:nvCxnSpPr>
         <p:spPr>
-          <a:xfrm flipH="1" flipV="1">
-            <a:off x="4984849" y="4523107"/>
-            <a:ext cx="988056" cy="10378"/>
+          <a:xfrm flipH="1">
+            <a:off x="5219414" y="3089509"/>
+            <a:ext cx="185901" cy="6716"/>
           </a:xfrm>
           <a:prstGeom prst="line">
             <a:avLst/>
@@ -6803,362 +6598,10 @@
       </p:cxnSp>
       <p:cxnSp>
         <p:nvCxnSpPr>
-          <p:cNvPr id="7" name="直線コネクタ 6">
-            <a:extLst>
-              <a:ext uri="{FF2B5EF4-FFF2-40B4-BE49-F238E27FC236}">
-                <a16:creationId xmlns:a16="http://schemas.microsoft.com/office/drawing/2014/main" id="{C007EAE3-1FD6-49DA-BA4E-E85121563D83}"/>
-              </a:ext>
-            </a:extLst>
-          </p:cNvPr>
-          <p:cNvCxnSpPr/>
-          <p:nvPr/>
-        </p:nvCxnSpPr>
-        <p:spPr>
-          <a:xfrm flipH="1">
-            <a:off x="3266327" y="4458528"/>
-            <a:ext cx="0" cy="822966"/>
-          </a:xfrm>
-          <a:prstGeom prst="line">
-            <a:avLst/>
-          </a:prstGeom>
-          <a:ln w="57150">
-            <a:solidFill>
-              <a:schemeClr val="tx1">
-                <a:lumMod val="65000"/>
-                <a:lumOff val="35000"/>
-              </a:schemeClr>
-            </a:solidFill>
-          </a:ln>
-        </p:spPr>
-        <p:style>
-          <a:lnRef idx="1">
-            <a:schemeClr val="accent1"/>
-          </a:lnRef>
-          <a:fillRef idx="0">
-            <a:schemeClr val="accent1"/>
-          </a:fillRef>
-          <a:effectRef idx="0">
-            <a:schemeClr val="accent1"/>
-          </a:effectRef>
-          <a:fontRef idx="minor">
-            <a:schemeClr val="tx1"/>
-          </a:fontRef>
-        </p:style>
-      </p:cxnSp>
-      <p:cxnSp>
-        <p:nvCxnSpPr>
-          <p:cNvPr id="8" name="直線コネクタ 7">
-            <a:extLst>
-              <a:ext uri="{FF2B5EF4-FFF2-40B4-BE49-F238E27FC236}">
-                <a16:creationId xmlns:a16="http://schemas.microsoft.com/office/drawing/2014/main" id="{867DC99F-9E69-40CD-8558-039D1860C49F}"/>
-              </a:ext>
-            </a:extLst>
-          </p:cNvPr>
-          <p:cNvCxnSpPr/>
-          <p:nvPr/>
-        </p:nvCxnSpPr>
-        <p:spPr>
-          <a:xfrm flipH="1">
-            <a:off x="3026839" y="4454175"/>
-            <a:ext cx="0" cy="822966"/>
-          </a:xfrm>
-          <a:prstGeom prst="line">
-            <a:avLst/>
-          </a:prstGeom>
-          <a:ln w="57150">
-            <a:solidFill>
-              <a:schemeClr val="tx1">
-                <a:lumMod val="65000"/>
-                <a:lumOff val="35000"/>
-              </a:schemeClr>
-            </a:solidFill>
-          </a:ln>
-        </p:spPr>
-        <p:style>
-          <a:lnRef idx="1">
-            <a:schemeClr val="accent1"/>
-          </a:lnRef>
-          <a:fillRef idx="0">
-            <a:schemeClr val="accent1"/>
-          </a:fillRef>
-          <a:effectRef idx="0">
-            <a:schemeClr val="accent1"/>
-          </a:effectRef>
-          <a:fontRef idx="minor">
-            <a:schemeClr val="tx1"/>
-          </a:fontRef>
-        </p:style>
-      </p:cxnSp>
-      <p:cxnSp>
-        <p:nvCxnSpPr>
-          <p:cNvPr id="9" name="直線コネクタ 8">
-            <a:extLst>
-              <a:ext uri="{FF2B5EF4-FFF2-40B4-BE49-F238E27FC236}">
-                <a16:creationId xmlns:a16="http://schemas.microsoft.com/office/drawing/2014/main" id="{B35C8ABF-983A-4C01-86E0-C583B33A05F7}"/>
-              </a:ext>
-            </a:extLst>
-          </p:cNvPr>
-          <p:cNvCxnSpPr/>
-          <p:nvPr/>
-        </p:nvCxnSpPr>
-        <p:spPr>
-          <a:xfrm flipH="1">
-            <a:off x="2769933" y="4458527"/>
-            <a:ext cx="0" cy="822966"/>
-          </a:xfrm>
-          <a:prstGeom prst="line">
-            <a:avLst/>
-          </a:prstGeom>
-          <a:ln w="57150">
-            <a:solidFill>
-              <a:schemeClr val="tx1">
-                <a:lumMod val="65000"/>
-                <a:lumOff val="35000"/>
-              </a:schemeClr>
-            </a:solidFill>
-          </a:ln>
-        </p:spPr>
-        <p:style>
-          <a:lnRef idx="1">
-            <a:schemeClr val="accent1"/>
-          </a:lnRef>
-          <a:fillRef idx="0">
-            <a:schemeClr val="accent1"/>
-          </a:fillRef>
-          <a:effectRef idx="0">
-            <a:schemeClr val="accent1"/>
-          </a:effectRef>
-          <a:fontRef idx="minor">
-            <a:schemeClr val="tx1"/>
-          </a:fontRef>
-        </p:style>
-      </p:cxnSp>
-      <p:cxnSp>
-        <p:nvCxnSpPr>
-          <p:cNvPr id="10" name="直線コネクタ 9">
-            <a:extLst>
-              <a:ext uri="{FF2B5EF4-FFF2-40B4-BE49-F238E27FC236}">
-                <a16:creationId xmlns:a16="http://schemas.microsoft.com/office/drawing/2014/main" id="{CF716974-A0DF-45D2-AD3D-2BCF197B8D19}"/>
-              </a:ext>
-            </a:extLst>
-          </p:cNvPr>
-          <p:cNvCxnSpPr/>
-          <p:nvPr/>
-        </p:nvCxnSpPr>
-        <p:spPr>
-          <a:xfrm flipH="1">
-            <a:off x="3503089" y="4456016"/>
-            <a:ext cx="0" cy="822966"/>
-          </a:xfrm>
-          <a:prstGeom prst="line">
-            <a:avLst/>
-          </a:prstGeom>
-          <a:ln w="57150">
-            <a:solidFill>
-              <a:schemeClr val="tx1">
-                <a:lumMod val="65000"/>
-                <a:lumOff val="35000"/>
-              </a:schemeClr>
-            </a:solidFill>
-          </a:ln>
-        </p:spPr>
-        <p:style>
-          <a:lnRef idx="1">
-            <a:schemeClr val="accent1"/>
-          </a:lnRef>
-          <a:fillRef idx="0">
-            <a:schemeClr val="accent1"/>
-          </a:fillRef>
-          <a:effectRef idx="0">
-            <a:schemeClr val="accent1"/>
-          </a:effectRef>
-          <a:fontRef idx="minor">
-            <a:schemeClr val="tx1"/>
-          </a:fontRef>
-        </p:style>
-      </p:cxnSp>
-      <p:cxnSp>
-        <p:nvCxnSpPr>
-          <p:cNvPr id="11" name="直線コネクタ 10">
-            <a:extLst>
-              <a:ext uri="{FF2B5EF4-FFF2-40B4-BE49-F238E27FC236}">
-                <a16:creationId xmlns:a16="http://schemas.microsoft.com/office/drawing/2014/main" id="{88AC19DE-429D-4644-B9D8-1CE5A2B0C050}"/>
-              </a:ext>
-            </a:extLst>
-          </p:cNvPr>
-          <p:cNvCxnSpPr/>
-          <p:nvPr/>
-        </p:nvCxnSpPr>
-        <p:spPr>
-          <a:xfrm flipH="1" flipV="1">
-            <a:off x="5773818" y="4492220"/>
-            <a:ext cx="0" cy="822966"/>
-          </a:xfrm>
-          <a:prstGeom prst="line">
-            <a:avLst/>
-          </a:prstGeom>
-          <a:ln w="57150">
-            <a:solidFill>
-              <a:schemeClr val="tx1">
-                <a:lumMod val="65000"/>
-                <a:lumOff val="35000"/>
-              </a:schemeClr>
-            </a:solidFill>
-          </a:ln>
-        </p:spPr>
-        <p:style>
-          <a:lnRef idx="1">
-            <a:schemeClr val="accent1"/>
-          </a:lnRef>
-          <a:fillRef idx="0">
-            <a:schemeClr val="accent1"/>
-          </a:fillRef>
-          <a:effectRef idx="0">
-            <a:schemeClr val="accent1"/>
-          </a:effectRef>
-          <a:fontRef idx="minor">
-            <a:schemeClr val="tx1"/>
-          </a:fontRef>
-        </p:style>
-      </p:cxnSp>
-      <p:cxnSp>
-        <p:nvCxnSpPr>
-          <p:cNvPr id="12" name="直線コネクタ 11">
-            <a:extLst>
-              <a:ext uri="{FF2B5EF4-FFF2-40B4-BE49-F238E27FC236}">
-                <a16:creationId xmlns:a16="http://schemas.microsoft.com/office/drawing/2014/main" id="{50F94E14-D74D-413B-BF1F-313A2DC66BF2}"/>
-              </a:ext>
-            </a:extLst>
-          </p:cNvPr>
-          <p:cNvCxnSpPr/>
-          <p:nvPr/>
-        </p:nvCxnSpPr>
-        <p:spPr>
-          <a:xfrm flipH="1" flipV="1">
-            <a:off x="5534330" y="4496573"/>
-            <a:ext cx="0" cy="822966"/>
-          </a:xfrm>
-          <a:prstGeom prst="line">
-            <a:avLst/>
-          </a:prstGeom>
-          <a:ln w="57150">
-            <a:solidFill>
-              <a:schemeClr val="tx1">
-                <a:lumMod val="65000"/>
-                <a:lumOff val="35000"/>
-              </a:schemeClr>
-            </a:solidFill>
-          </a:ln>
-        </p:spPr>
-        <p:style>
-          <a:lnRef idx="1">
-            <a:schemeClr val="accent1"/>
-          </a:lnRef>
-          <a:fillRef idx="0">
-            <a:schemeClr val="accent1"/>
-          </a:fillRef>
-          <a:effectRef idx="0">
-            <a:schemeClr val="accent1"/>
-          </a:effectRef>
-          <a:fontRef idx="minor">
-            <a:schemeClr val="tx1"/>
-          </a:fontRef>
-        </p:style>
-      </p:cxnSp>
-      <p:cxnSp>
-        <p:nvCxnSpPr>
-          <p:cNvPr id="13" name="直線コネクタ 12">
-            <a:extLst>
-              <a:ext uri="{FF2B5EF4-FFF2-40B4-BE49-F238E27FC236}">
-                <a16:creationId xmlns:a16="http://schemas.microsoft.com/office/drawing/2014/main" id="{C74DB000-F5F3-4A18-9382-8ECB7B48F3D3}"/>
-              </a:ext>
-            </a:extLst>
-          </p:cNvPr>
-          <p:cNvCxnSpPr/>
-          <p:nvPr/>
-        </p:nvCxnSpPr>
-        <p:spPr>
-          <a:xfrm flipH="1" flipV="1">
-            <a:off x="5277424" y="4492221"/>
-            <a:ext cx="0" cy="822966"/>
-          </a:xfrm>
-          <a:prstGeom prst="line">
-            <a:avLst/>
-          </a:prstGeom>
-          <a:ln w="57150">
-            <a:solidFill>
-              <a:schemeClr val="tx1">
-                <a:lumMod val="65000"/>
-                <a:lumOff val="35000"/>
-              </a:schemeClr>
-            </a:solidFill>
-          </a:ln>
-        </p:spPr>
-        <p:style>
-          <a:lnRef idx="1">
-            <a:schemeClr val="accent1"/>
-          </a:lnRef>
-          <a:fillRef idx="0">
-            <a:schemeClr val="accent1"/>
-          </a:fillRef>
-          <a:effectRef idx="0">
-            <a:schemeClr val="accent1"/>
-          </a:effectRef>
-          <a:fontRef idx="minor">
-            <a:schemeClr val="tx1"/>
-          </a:fontRef>
-        </p:style>
-      </p:cxnSp>
-      <p:cxnSp>
-        <p:nvCxnSpPr>
-          <p:cNvPr id="14" name="直線コネクタ 13">
-            <a:extLst>
-              <a:ext uri="{FF2B5EF4-FFF2-40B4-BE49-F238E27FC236}">
-                <a16:creationId xmlns:a16="http://schemas.microsoft.com/office/drawing/2014/main" id="{9074E598-0A9A-4655-8489-C4910D266B06}"/>
-              </a:ext>
-            </a:extLst>
-          </p:cNvPr>
-          <p:cNvCxnSpPr/>
-          <p:nvPr/>
-        </p:nvCxnSpPr>
-        <p:spPr>
-          <a:xfrm flipH="1" flipV="1">
-            <a:off x="6030722" y="4496567"/>
-            <a:ext cx="0" cy="822966"/>
-          </a:xfrm>
-          <a:prstGeom prst="line">
-            <a:avLst/>
-          </a:prstGeom>
-          <a:ln w="57150">
-            <a:solidFill>
-              <a:schemeClr val="tx1">
-                <a:lumMod val="65000"/>
-                <a:lumOff val="35000"/>
-              </a:schemeClr>
-            </a:solidFill>
-          </a:ln>
-        </p:spPr>
-        <p:style>
-          <a:lnRef idx="1">
-            <a:schemeClr val="accent1"/>
-          </a:lnRef>
-          <a:fillRef idx="0">
-            <a:schemeClr val="accent1"/>
-          </a:fillRef>
-          <a:effectRef idx="0">
-            <a:schemeClr val="accent1"/>
-          </a:effectRef>
-          <a:fontRef idx="minor">
-            <a:schemeClr val="tx1"/>
-          </a:fontRef>
-        </p:style>
-      </p:cxnSp>
-      <p:cxnSp>
-        <p:nvCxnSpPr>
-          <p:cNvPr id="15" name="直線コネクタ 14">
-            <a:extLst>
-              <a:ext uri="{FF2B5EF4-FFF2-40B4-BE49-F238E27FC236}">
-                <a16:creationId xmlns:a16="http://schemas.microsoft.com/office/drawing/2014/main" id="{8AF79869-7B58-45AD-A703-79E3B3C7C34D}"/>
+          <p:cNvPr id="66" name="直線コネクタ 65">
+            <a:extLst>
+              <a:ext uri="{FF2B5EF4-FFF2-40B4-BE49-F238E27FC236}">
+                <a16:creationId xmlns:a16="http://schemas.microsoft.com/office/drawing/2014/main" id="{F4E1893D-3B74-441B-9BF2-45B000832BE9}"/>
               </a:ext>
             </a:extLst>
           </p:cNvPr>
@@ -7168,797 +6611,8 @@
           <p:nvPr/>
         </p:nvCxnSpPr>
         <p:spPr>
-          <a:xfrm flipH="1" flipV="1">
-            <a:off x="5964047" y="4242453"/>
-            <a:ext cx="0" cy="1077080"/>
-          </a:xfrm>
-          <a:prstGeom prst="line">
-            <a:avLst/>
-          </a:prstGeom>
-          <a:ln w="57150">
-            <a:solidFill>
-              <a:schemeClr val="bg2">
-                <a:lumMod val="50000"/>
-              </a:schemeClr>
-            </a:solidFill>
-          </a:ln>
-        </p:spPr>
-        <p:style>
-          <a:lnRef idx="1">
-            <a:schemeClr val="accent1"/>
-          </a:lnRef>
-          <a:fillRef idx="0">
-            <a:schemeClr val="accent1"/>
-          </a:fillRef>
-          <a:effectRef idx="0">
-            <a:schemeClr val="accent1"/>
-          </a:effectRef>
-          <a:fontRef idx="minor">
-            <a:schemeClr val="tx1"/>
-          </a:fontRef>
-        </p:style>
-      </p:cxnSp>
-      <p:cxnSp>
-        <p:nvCxnSpPr>
-          <p:cNvPr id="16" name="直線コネクタ 15">
-            <a:extLst>
-              <a:ext uri="{FF2B5EF4-FFF2-40B4-BE49-F238E27FC236}">
-                <a16:creationId xmlns:a16="http://schemas.microsoft.com/office/drawing/2014/main" id="{BC0D3F01-8F5F-4BCC-BC08-E35CF7FC38DB}"/>
-              </a:ext>
-            </a:extLst>
-          </p:cNvPr>
-          <p:cNvCxnSpPr>
-            <a:cxnSpLocks/>
-          </p:cNvCxnSpPr>
-          <p:nvPr/>
-        </p:nvCxnSpPr>
-        <p:spPr>
-          <a:xfrm flipH="1" flipV="1">
-            <a:off x="5706872" y="4232928"/>
-            <a:ext cx="0" cy="1077080"/>
-          </a:xfrm>
-          <a:prstGeom prst="line">
-            <a:avLst/>
-          </a:prstGeom>
-          <a:ln w="57150">
-            <a:solidFill>
-              <a:schemeClr val="bg2">
-                <a:lumMod val="50000"/>
-              </a:schemeClr>
-            </a:solidFill>
-          </a:ln>
-        </p:spPr>
-        <p:style>
-          <a:lnRef idx="1">
-            <a:schemeClr val="accent1"/>
-          </a:lnRef>
-          <a:fillRef idx="0">
-            <a:schemeClr val="accent1"/>
-          </a:fillRef>
-          <a:effectRef idx="0">
-            <a:schemeClr val="accent1"/>
-          </a:effectRef>
-          <a:fontRef idx="minor">
-            <a:schemeClr val="tx1"/>
-          </a:fontRef>
-        </p:style>
-      </p:cxnSp>
-      <p:cxnSp>
-        <p:nvCxnSpPr>
-          <p:cNvPr id="17" name="直線コネクタ 16">
-            <a:extLst>
-              <a:ext uri="{FF2B5EF4-FFF2-40B4-BE49-F238E27FC236}">
-                <a16:creationId xmlns:a16="http://schemas.microsoft.com/office/drawing/2014/main" id="{17650D79-DA04-457C-B351-1912613F6A91}"/>
-              </a:ext>
-            </a:extLst>
-          </p:cNvPr>
-          <p:cNvCxnSpPr>
-            <a:cxnSpLocks/>
-          </p:cNvCxnSpPr>
-          <p:nvPr/>
-        </p:nvCxnSpPr>
-        <p:spPr>
-          <a:xfrm flipH="1" flipV="1">
-            <a:off x="5468747" y="4242453"/>
-            <a:ext cx="0" cy="1077080"/>
-          </a:xfrm>
-          <a:prstGeom prst="line">
-            <a:avLst/>
-          </a:prstGeom>
-          <a:ln w="57150">
-            <a:solidFill>
-              <a:schemeClr val="bg2">
-                <a:lumMod val="50000"/>
-              </a:schemeClr>
-            </a:solidFill>
-          </a:ln>
-        </p:spPr>
-        <p:style>
-          <a:lnRef idx="1">
-            <a:schemeClr val="accent1"/>
-          </a:lnRef>
-          <a:fillRef idx="0">
-            <a:schemeClr val="accent1"/>
-          </a:fillRef>
-          <a:effectRef idx="0">
-            <a:schemeClr val="accent1"/>
-          </a:effectRef>
-          <a:fontRef idx="minor">
-            <a:schemeClr val="tx1"/>
-          </a:fontRef>
-        </p:style>
-      </p:cxnSp>
-      <p:cxnSp>
-        <p:nvCxnSpPr>
-          <p:cNvPr id="18" name="直線コネクタ 17">
-            <a:extLst>
-              <a:ext uri="{FF2B5EF4-FFF2-40B4-BE49-F238E27FC236}">
-                <a16:creationId xmlns:a16="http://schemas.microsoft.com/office/drawing/2014/main" id="{C1C64739-2222-4FD3-B819-6B82B6727420}"/>
-              </a:ext>
-            </a:extLst>
-          </p:cNvPr>
-          <p:cNvCxnSpPr>
-            <a:cxnSpLocks/>
-          </p:cNvCxnSpPr>
-          <p:nvPr/>
-        </p:nvCxnSpPr>
-        <p:spPr>
-          <a:xfrm flipH="1" flipV="1">
-            <a:off x="5211572" y="4232928"/>
-            <a:ext cx="0" cy="1077080"/>
-          </a:xfrm>
-          <a:prstGeom prst="line">
-            <a:avLst/>
-          </a:prstGeom>
-          <a:ln w="57150">
-            <a:solidFill>
-              <a:schemeClr val="bg2">
-                <a:lumMod val="50000"/>
-              </a:schemeClr>
-            </a:solidFill>
-          </a:ln>
-        </p:spPr>
-        <p:style>
-          <a:lnRef idx="1">
-            <a:schemeClr val="accent1"/>
-          </a:lnRef>
-          <a:fillRef idx="0">
-            <a:schemeClr val="accent1"/>
-          </a:fillRef>
-          <a:effectRef idx="0">
-            <a:schemeClr val="accent1"/>
-          </a:effectRef>
-          <a:fontRef idx="minor">
-            <a:schemeClr val="tx1"/>
-          </a:fontRef>
-        </p:style>
-      </p:cxnSp>
-      <p:sp>
-        <p:nvSpPr>
-          <p:cNvPr id="19" name="正方形/長方形 18">
-            <a:extLst>
-              <a:ext uri="{FF2B5EF4-FFF2-40B4-BE49-F238E27FC236}">
-                <a16:creationId xmlns:a16="http://schemas.microsoft.com/office/drawing/2014/main" id="{F37C1D45-6AB8-4FBE-8352-1E2D05E2C7C8}"/>
-              </a:ext>
-            </a:extLst>
-          </p:cNvPr>
-          <p:cNvSpPr/>
-          <p:nvPr/>
-        </p:nvSpPr>
-        <p:spPr>
-          <a:xfrm flipH="1">
-            <a:off x="2623543" y="4630675"/>
-            <a:ext cx="1002556" cy="278658"/>
-          </a:xfrm>
-          <a:prstGeom prst="rect">
-            <a:avLst/>
-          </a:prstGeom>
-          <a:solidFill>
-            <a:schemeClr val="tx1">
-              <a:lumMod val="65000"/>
-              <a:lumOff val="35000"/>
-              <a:alpha val="30000"/>
-            </a:schemeClr>
-          </a:solidFill>
-          <a:ln>
-            <a:solidFill>
-              <a:schemeClr val="tx1"/>
-            </a:solidFill>
-          </a:ln>
-        </p:spPr>
-        <p:style>
-          <a:lnRef idx="2">
-            <a:schemeClr val="accent1">
-              <a:shade val="50000"/>
-            </a:schemeClr>
-          </a:lnRef>
-          <a:fillRef idx="1">
-            <a:schemeClr val="accent1"/>
-          </a:fillRef>
-          <a:effectRef idx="0">
-            <a:schemeClr val="accent1"/>
-          </a:effectRef>
-          <a:fontRef idx="minor">
-            <a:schemeClr val="lt1"/>
-          </a:fontRef>
-        </p:style>
-        <p:txBody>
-          <a:bodyPr rtlCol="0" anchor="ctr"/>
-          <a:lstStyle/>
-          <a:p>
-            <a:pPr algn="ctr"/>
-            <a:endParaRPr lang="en-US"/>
-          </a:p>
-        </p:txBody>
-      </p:sp>
-      <p:sp>
-        <p:nvSpPr>
-          <p:cNvPr id="20" name="正方形/長方形 19">
-            <a:extLst>
-              <a:ext uri="{FF2B5EF4-FFF2-40B4-BE49-F238E27FC236}">
-                <a16:creationId xmlns:a16="http://schemas.microsoft.com/office/drawing/2014/main" id="{93F9570B-8E36-4A81-9E3B-1D28D67C82A0}"/>
-              </a:ext>
-            </a:extLst>
-          </p:cNvPr>
-          <p:cNvSpPr/>
-          <p:nvPr/>
-        </p:nvSpPr>
-        <p:spPr>
-          <a:xfrm flipH="1">
-            <a:off x="5131732" y="4626719"/>
-            <a:ext cx="1002556" cy="278658"/>
-          </a:xfrm>
-          <a:prstGeom prst="rect">
-            <a:avLst/>
-          </a:prstGeom>
-          <a:solidFill>
-            <a:schemeClr val="tx1">
-              <a:lumMod val="65000"/>
-              <a:lumOff val="35000"/>
-              <a:alpha val="30000"/>
-            </a:schemeClr>
-          </a:solidFill>
-          <a:ln>
-            <a:solidFill>
-              <a:schemeClr val="tx1"/>
-            </a:solidFill>
-          </a:ln>
-        </p:spPr>
-        <p:style>
-          <a:lnRef idx="2">
-            <a:schemeClr val="accent1">
-              <a:shade val="50000"/>
-            </a:schemeClr>
-          </a:lnRef>
-          <a:fillRef idx="1">
-            <a:schemeClr val="accent1"/>
-          </a:fillRef>
-          <a:effectRef idx="0">
-            <a:schemeClr val="accent1"/>
-          </a:effectRef>
-          <a:fontRef idx="minor">
-            <a:schemeClr val="lt1"/>
-          </a:fontRef>
-        </p:style>
-        <p:txBody>
-          <a:bodyPr rtlCol="0" anchor="ctr"/>
-          <a:lstStyle/>
-          <a:p>
-            <a:pPr algn="ctr"/>
-            <a:endParaRPr lang="en-US"/>
-          </a:p>
-        </p:txBody>
-      </p:sp>
-      <p:sp>
-        <p:nvSpPr>
-          <p:cNvPr id="21" name="正方形/長方形 20">
-            <a:extLst>
-              <a:ext uri="{FF2B5EF4-FFF2-40B4-BE49-F238E27FC236}">
-                <a16:creationId xmlns:a16="http://schemas.microsoft.com/office/drawing/2014/main" id="{0FB064C6-370F-44B6-AAF8-FF178ABA21B0}"/>
-              </a:ext>
-            </a:extLst>
-          </p:cNvPr>
-          <p:cNvSpPr/>
-          <p:nvPr/>
-        </p:nvSpPr>
-        <p:spPr>
-          <a:xfrm rot="10800000" flipH="1">
-            <a:off x="5095308" y="2170922"/>
-            <a:ext cx="1002556" cy="278658"/>
-          </a:xfrm>
-          <a:prstGeom prst="rect">
-            <a:avLst/>
-          </a:prstGeom>
-          <a:solidFill>
-            <a:schemeClr val="tx1">
-              <a:lumMod val="65000"/>
-              <a:lumOff val="35000"/>
-              <a:alpha val="30000"/>
-            </a:schemeClr>
-          </a:solidFill>
-          <a:ln>
-            <a:solidFill>
-              <a:schemeClr val="tx1"/>
-            </a:solidFill>
-          </a:ln>
-        </p:spPr>
-        <p:style>
-          <a:lnRef idx="2">
-            <a:schemeClr val="accent1">
-              <a:shade val="50000"/>
-            </a:schemeClr>
-          </a:lnRef>
-          <a:fillRef idx="1">
-            <a:schemeClr val="accent1"/>
-          </a:fillRef>
-          <a:effectRef idx="0">
-            <a:schemeClr val="accent1"/>
-          </a:effectRef>
-          <a:fontRef idx="minor">
-            <a:schemeClr val="lt1"/>
-          </a:fontRef>
-        </p:style>
-        <p:txBody>
-          <a:bodyPr rtlCol="0" anchor="ctr"/>
-          <a:lstStyle/>
-          <a:p>
-            <a:pPr algn="ctr"/>
-            <a:endParaRPr lang="en-US"/>
-          </a:p>
-        </p:txBody>
-      </p:sp>
-      <p:sp>
-        <p:nvSpPr>
-          <p:cNvPr id="22" name="正方形/長方形 21">
-            <a:extLst>
-              <a:ext uri="{FF2B5EF4-FFF2-40B4-BE49-F238E27FC236}">
-                <a16:creationId xmlns:a16="http://schemas.microsoft.com/office/drawing/2014/main" id="{29406C76-2182-4B1E-B5A2-83FA9F863A75}"/>
-              </a:ext>
-            </a:extLst>
-          </p:cNvPr>
-          <p:cNvSpPr/>
-          <p:nvPr/>
-        </p:nvSpPr>
-        <p:spPr>
-          <a:xfrm rot="10800000" flipH="1">
-            <a:off x="5087688" y="2910062"/>
-            <a:ext cx="1002556" cy="278658"/>
-          </a:xfrm>
-          <a:prstGeom prst="rect">
-            <a:avLst/>
-          </a:prstGeom>
-          <a:solidFill>
-            <a:schemeClr val="tx1">
-              <a:lumMod val="65000"/>
-              <a:lumOff val="35000"/>
-              <a:alpha val="30000"/>
-            </a:schemeClr>
-          </a:solidFill>
-          <a:ln>
-            <a:solidFill>
-              <a:schemeClr val="tx1"/>
-            </a:solidFill>
-          </a:ln>
-        </p:spPr>
-        <p:style>
-          <a:lnRef idx="2">
-            <a:schemeClr val="accent1">
-              <a:shade val="50000"/>
-            </a:schemeClr>
-          </a:lnRef>
-          <a:fillRef idx="1">
-            <a:schemeClr val="accent1"/>
-          </a:fillRef>
-          <a:effectRef idx="0">
-            <a:schemeClr val="accent1"/>
-          </a:effectRef>
-          <a:fontRef idx="minor">
-            <a:schemeClr val="lt1"/>
-          </a:fontRef>
-        </p:style>
-        <p:txBody>
-          <a:bodyPr rtlCol="0" anchor="ctr"/>
-          <a:lstStyle/>
-          <a:p>
-            <a:pPr algn="ctr"/>
-            <a:endParaRPr lang="en-US"/>
-          </a:p>
-        </p:txBody>
-      </p:sp>
-      <p:cxnSp>
-        <p:nvCxnSpPr>
-          <p:cNvPr id="23" name="直線コネクタ 22">
-            <a:extLst>
-              <a:ext uri="{FF2B5EF4-FFF2-40B4-BE49-F238E27FC236}">
-                <a16:creationId xmlns:a16="http://schemas.microsoft.com/office/drawing/2014/main" id="{816DF0F5-F9E2-4B5B-9E87-C41F475D8BB3}"/>
-              </a:ext>
-            </a:extLst>
-          </p:cNvPr>
-          <p:cNvCxnSpPr>
-            <a:cxnSpLocks/>
-          </p:cNvCxnSpPr>
-          <p:nvPr/>
-        </p:nvCxnSpPr>
-        <p:spPr>
-          <a:xfrm flipV="1">
-            <a:off x="3003139" y="1804273"/>
-            <a:ext cx="8967" cy="1990752"/>
-          </a:xfrm>
-          <a:prstGeom prst="line">
-            <a:avLst/>
-          </a:prstGeom>
-          <a:ln>
-            <a:headEnd type="oval" w="med" len="med"/>
-            <a:tailEnd type="oval" w="med" len="med"/>
-          </a:ln>
-        </p:spPr>
-        <p:style>
-          <a:lnRef idx="1">
-            <a:schemeClr val="accent1"/>
-          </a:lnRef>
-          <a:fillRef idx="0">
-            <a:schemeClr val="accent1"/>
-          </a:fillRef>
-          <a:effectRef idx="0">
-            <a:schemeClr val="accent1"/>
-          </a:effectRef>
-          <a:fontRef idx="minor">
-            <a:schemeClr val="tx1"/>
-          </a:fontRef>
-        </p:style>
-      </p:cxnSp>
-      <p:sp>
-        <p:nvSpPr>
-          <p:cNvPr id="24" name="テキスト ボックス 23">
-            <a:extLst>
-              <a:ext uri="{FF2B5EF4-FFF2-40B4-BE49-F238E27FC236}">
-                <a16:creationId xmlns:a16="http://schemas.microsoft.com/office/drawing/2014/main" id="{C1179C0F-3F4D-488F-9360-0D2DC243D420}"/>
-              </a:ext>
-            </a:extLst>
-          </p:cNvPr>
-          <p:cNvSpPr txBox="1"/>
-          <p:nvPr/>
-        </p:nvSpPr>
-        <p:spPr>
-          <a:xfrm>
-            <a:off x="3451073" y="5234636"/>
-            <a:ext cx="1253942" cy="307777"/>
-          </a:xfrm>
-          <a:prstGeom prst="rect">
-            <a:avLst/>
-          </a:prstGeom>
-          <a:noFill/>
-        </p:spPr>
-        <p:txBody>
-          <a:bodyPr wrap="square" rtlCol="0">
-            <a:spAutoFit/>
-          </a:bodyPr>
-          <a:lstStyle/>
-          <a:p>
-            <a:r>
-              <a:rPr lang="en-US" sz="1400" dirty="0"/>
-              <a:t>5V</a:t>
-            </a:r>
-          </a:p>
-        </p:txBody>
-      </p:sp>
-      <p:sp>
-        <p:nvSpPr>
-          <p:cNvPr id="25" name="テキスト ボックス 24">
-            <a:extLst>
-              <a:ext uri="{FF2B5EF4-FFF2-40B4-BE49-F238E27FC236}">
-                <a16:creationId xmlns:a16="http://schemas.microsoft.com/office/drawing/2014/main" id="{C309124E-12EC-40E5-B434-FD11B5017A5D}"/>
-              </a:ext>
-            </a:extLst>
-          </p:cNvPr>
-          <p:cNvSpPr txBox="1"/>
-          <p:nvPr/>
-        </p:nvSpPr>
-        <p:spPr>
-          <a:xfrm>
-            <a:off x="3098463" y="5243171"/>
-            <a:ext cx="1737042" cy="307777"/>
-          </a:xfrm>
-          <a:prstGeom prst="rect">
-            <a:avLst/>
-          </a:prstGeom>
-          <a:noFill/>
-        </p:spPr>
-        <p:txBody>
-          <a:bodyPr wrap="square" rtlCol="0">
-            <a:spAutoFit/>
-          </a:bodyPr>
-          <a:lstStyle/>
-          <a:p>
-            <a:r>
-              <a:rPr lang="en-US" sz="1400" dirty="0"/>
-              <a:t>GND</a:t>
-            </a:r>
-          </a:p>
-        </p:txBody>
-      </p:sp>
-      <p:sp>
-        <p:nvSpPr>
-          <p:cNvPr id="26" name="テキスト ボックス 25">
-            <a:extLst>
-              <a:ext uri="{FF2B5EF4-FFF2-40B4-BE49-F238E27FC236}">
-                <a16:creationId xmlns:a16="http://schemas.microsoft.com/office/drawing/2014/main" id="{99EAE536-8233-4AC0-BB32-59BEB0A96669}"/>
-              </a:ext>
-            </a:extLst>
-          </p:cNvPr>
-          <p:cNvSpPr txBox="1"/>
-          <p:nvPr/>
-        </p:nvSpPr>
-        <p:spPr>
-          <a:xfrm>
-            <a:off x="2806682" y="5241062"/>
-            <a:ext cx="1211471" cy="307777"/>
-          </a:xfrm>
-          <a:prstGeom prst="rect">
-            <a:avLst/>
-          </a:prstGeom>
-          <a:noFill/>
-        </p:spPr>
-        <p:txBody>
-          <a:bodyPr wrap="square" rtlCol="0">
-            <a:spAutoFit/>
-          </a:bodyPr>
-          <a:lstStyle/>
-          <a:p>
-            <a:r>
-              <a:rPr lang="en-US" sz="1400" dirty="0"/>
-              <a:t>TX</a:t>
-            </a:r>
-          </a:p>
-        </p:txBody>
-      </p:sp>
-      <p:sp>
-        <p:nvSpPr>
-          <p:cNvPr id="27" name="正方形/長方形 26">
-            <a:extLst>
-              <a:ext uri="{FF2B5EF4-FFF2-40B4-BE49-F238E27FC236}">
-                <a16:creationId xmlns:a16="http://schemas.microsoft.com/office/drawing/2014/main" id="{E7F60A2E-0351-4886-B2F4-77C7038D76A8}"/>
-              </a:ext>
-            </a:extLst>
-          </p:cNvPr>
-          <p:cNvSpPr/>
-          <p:nvPr/>
-        </p:nvSpPr>
-        <p:spPr>
-          <a:xfrm rot="16200000" flipH="1">
-            <a:off x="3500249" y="2551497"/>
-            <a:ext cx="1715587" cy="1027611"/>
-          </a:xfrm>
-          <a:prstGeom prst="rect">
-            <a:avLst/>
-          </a:prstGeom>
-          <a:solidFill>
-            <a:schemeClr val="tx2">
-              <a:lumMod val="40000"/>
-              <a:lumOff val="60000"/>
-            </a:schemeClr>
-          </a:solidFill>
-          <a:ln>
-            <a:solidFill>
-              <a:schemeClr val="tx1"/>
-            </a:solidFill>
-          </a:ln>
-        </p:spPr>
-        <p:style>
-          <a:lnRef idx="2">
-            <a:schemeClr val="accent1">
-              <a:shade val="50000"/>
-            </a:schemeClr>
-          </a:lnRef>
-          <a:fillRef idx="1">
-            <a:schemeClr val="accent1"/>
-          </a:fillRef>
-          <a:effectRef idx="0">
-            <a:schemeClr val="accent1"/>
-          </a:effectRef>
-          <a:fontRef idx="minor">
-            <a:schemeClr val="lt1"/>
-          </a:fontRef>
-        </p:style>
-        <p:txBody>
-          <a:bodyPr rtlCol="0" anchor="ctr"/>
-          <a:lstStyle/>
-          <a:p>
-            <a:pPr algn="ctr"/>
-            <a:endParaRPr lang="en-US"/>
-          </a:p>
-        </p:txBody>
-      </p:sp>
-      <p:sp>
-        <p:nvSpPr>
-          <p:cNvPr id="28" name="楕円 27">
-            <a:extLst>
-              <a:ext uri="{FF2B5EF4-FFF2-40B4-BE49-F238E27FC236}">
-                <a16:creationId xmlns:a16="http://schemas.microsoft.com/office/drawing/2014/main" id="{8C4EACFB-9F63-4102-97B7-401BB48EB71E}"/>
-              </a:ext>
-            </a:extLst>
-          </p:cNvPr>
-          <p:cNvSpPr/>
-          <p:nvPr/>
-        </p:nvSpPr>
-        <p:spPr>
-          <a:xfrm rot="16200000" flipH="1">
-            <a:off x="4186114" y="3394678"/>
-            <a:ext cx="364665" cy="275278"/>
-          </a:xfrm>
-          <a:prstGeom prst="ellipse">
-            <a:avLst/>
-          </a:prstGeom>
-        </p:spPr>
-        <p:style>
-          <a:lnRef idx="2">
-            <a:schemeClr val="accent1">
-              <a:shade val="50000"/>
-            </a:schemeClr>
-          </a:lnRef>
-          <a:fillRef idx="1">
-            <a:schemeClr val="accent1"/>
-          </a:fillRef>
-          <a:effectRef idx="0">
-            <a:schemeClr val="accent1"/>
-          </a:effectRef>
-          <a:fontRef idx="minor">
-            <a:schemeClr val="lt1"/>
-          </a:fontRef>
-        </p:style>
-        <p:txBody>
-          <a:bodyPr rtlCol="0" anchor="ctr"/>
-          <a:lstStyle/>
-          <a:p>
-            <a:pPr algn="ctr"/>
-            <a:endParaRPr lang="en-US"/>
-          </a:p>
-        </p:txBody>
-      </p:sp>
-      <p:cxnSp>
-        <p:nvCxnSpPr>
-          <p:cNvPr id="29" name="直線コネクタ 28">
-            <a:extLst>
-              <a:ext uri="{FF2B5EF4-FFF2-40B4-BE49-F238E27FC236}">
-                <a16:creationId xmlns:a16="http://schemas.microsoft.com/office/drawing/2014/main" id="{49209B4F-E1E1-4FD4-9EBF-3CB8D91A7FFE}"/>
-              </a:ext>
-            </a:extLst>
-          </p:cNvPr>
-          <p:cNvCxnSpPr>
-            <a:cxnSpLocks/>
-          </p:cNvCxnSpPr>
-          <p:nvPr/>
-        </p:nvCxnSpPr>
-        <p:spPr>
-          <a:xfrm rot="16200000">
-            <a:off x="4002447" y="3534318"/>
-            <a:ext cx="164917" cy="269230"/>
-          </a:xfrm>
-          <a:prstGeom prst="line">
-            <a:avLst/>
-          </a:prstGeom>
-          <a:ln>
-            <a:solidFill>
-              <a:srgbClr val="FF0000"/>
-            </a:solidFill>
-            <a:round/>
-            <a:headEnd type="oval"/>
-            <a:tailEnd type="none"/>
-          </a:ln>
-        </p:spPr>
-        <p:style>
-          <a:lnRef idx="1">
-            <a:schemeClr val="accent1"/>
-          </a:lnRef>
-          <a:fillRef idx="0">
-            <a:schemeClr val="accent1"/>
-          </a:fillRef>
-          <a:effectRef idx="0">
-            <a:schemeClr val="accent1"/>
-          </a:effectRef>
-          <a:fontRef idx="minor">
-            <a:schemeClr val="tx1"/>
-          </a:fontRef>
-        </p:style>
-      </p:cxnSp>
-      <p:cxnSp>
-        <p:nvCxnSpPr>
-          <p:cNvPr id="30" name="直線コネクタ 29">
-            <a:extLst>
-              <a:ext uri="{FF2B5EF4-FFF2-40B4-BE49-F238E27FC236}">
-                <a16:creationId xmlns:a16="http://schemas.microsoft.com/office/drawing/2014/main" id="{CF901FED-134F-4B32-BAB1-FBE61A65C9EC}"/>
-              </a:ext>
-            </a:extLst>
-          </p:cNvPr>
-          <p:cNvCxnSpPr>
-            <a:cxnSpLocks/>
-          </p:cNvCxnSpPr>
-          <p:nvPr/>
-        </p:nvCxnSpPr>
-        <p:spPr>
-          <a:xfrm rot="16200000" flipV="1">
-            <a:off x="4545544" y="3556541"/>
-            <a:ext cx="164918" cy="243834"/>
-          </a:xfrm>
-          <a:prstGeom prst="line">
-            <a:avLst/>
-          </a:prstGeom>
-          <a:ln>
-            <a:solidFill>
-              <a:srgbClr val="FF0000"/>
-            </a:solidFill>
-            <a:round/>
-            <a:headEnd type="oval"/>
-            <a:tailEnd type="none"/>
-          </a:ln>
-        </p:spPr>
-        <p:style>
-          <a:lnRef idx="1">
-            <a:schemeClr val="accent1"/>
-          </a:lnRef>
-          <a:fillRef idx="0">
-            <a:schemeClr val="accent1"/>
-          </a:fillRef>
-          <a:effectRef idx="0">
-            <a:schemeClr val="accent1"/>
-          </a:effectRef>
-          <a:fontRef idx="minor">
-            <a:schemeClr val="tx1"/>
-          </a:fontRef>
-        </p:style>
-      </p:cxnSp>
-      <p:sp>
-        <p:nvSpPr>
-          <p:cNvPr id="31" name="テキスト ボックス 30">
-            <a:extLst>
-              <a:ext uri="{FF2B5EF4-FFF2-40B4-BE49-F238E27FC236}">
-                <a16:creationId xmlns:a16="http://schemas.microsoft.com/office/drawing/2014/main" id="{35B001D0-5F53-476A-9BF5-B8103979C869}"/>
-              </a:ext>
-            </a:extLst>
-          </p:cNvPr>
-          <p:cNvSpPr txBox="1"/>
-          <p:nvPr/>
-        </p:nvSpPr>
-        <p:spPr>
-          <a:xfrm rot="16200000">
-            <a:off x="3401759" y="2851210"/>
-            <a:ext cx="1748247" cy="307777"/>
-          </a:xfrm>
-          <a:prstGeom prst="rect">
-            <a:avLst/>
-          </a:prstGeom>
-          <a:noFill/>
-        </p:spPr>
-        <p:txBody>
-          <a:bodyPr wrap="square" rtlCol="0">
-            <a:spAutoFit/>
-          </a:bodyPr>
-          <a:lstStyle/>
-          <a:p>
-            <a:r>
-              <a:rPr lang="en-US" sz="1400" dirty="0"/>
-              <a:t>PIC16F1825 I/P</a:t>
-            </a:r>
-          </a:p>
-        </p:txBody>
-      </p:sp>
-      <p:cxnSp>
-        <p:nvCxnSpPr>
-          <p:cNvPr id="32" name="直線コネクタ 31">
-            <a:extLst>
-              <a:ext uri="{FF2B5EF4-FFF2-40B4-BE49-F238E27FC236}">
-                <a16:creationId xmlns:a16="http://schemas.microsoft.com/office/drawing/2014/main" id="{9111AFF9-D08B-4166-930C-D755EAFE46DA}"/>
-              </a:ext>
-            </a:extLst>
-          </p:cNvPr>
-          <p:cNvCxnSpPr>
-            <a:cxnSpLocks/>
-          </p:cNvCxnSpPr>
-          <p:nvPr/>
-        </p:nvCxnSpPr>
-        <p:spPr>
-          <a:xfrm rot="16200000">
-            <a:off x="3372979" y="3427086"/>
+          <a:xfrm rot="5400000" flipH="1">
+            <a:off x="5039382" y="3461376"/>
             <a:ext cx="735877" cy="0"/>
           </a:xfrm>
           <a:prstGeom prst="line">
@@ -7989,64 +6643,10 @@
       </p:cxnSp>
       <p:sp>
         <p:nvSpPr>
-          <p:cNvPr id="33" name="正方形/長方形 32">
-            <a:extLst>
-              <a:ext uri="{FF2B5EF4-FFF2-40B4-BE49-F238E27FC236}">
-                <a16:creationId xmlns:a16="http://schemas.microsoft.com/office/drawing/2014/main" id="{486E279B-D2BC-4264-AE62-2A5050331BE1}"/>
-              </a:ext>
-            </a:extLst>
-          </p:cNvPr>
-          <p:cNvSpPr/>
-          <p:nvPr/>
-        </p:nvSpPr>
-        <p:spPr>
-          <a:xfrm rot="16200000" flipH="1">
-            <a:off x="3481733" y="3327911"/>
-            <a:ext cx="509471" cy="200297"/>
-          </a:xfrm>
-          <a:prstGeom prst="rect">
-            <a:avLst/>
-          </a:prstGeom>
-          <a:solidFill>
-            <a:srgbClr val="FFC000"/>
-          </a:solidFill>
-          <a:ln>
-            <a:solidFill>
-              <a:schemeClr val="tx1"/>
-            </a:solidFill>
-          </a:ln>
-        </p:spPr>
-        <p:style>
-          <a:lnRef idx="2">
-            <a:schemeClr val="accent1">
-              <a:shade val="50000"/>
-            </a:schemeClr>
-          </a:lnRef>
-          <a:fillRef idx="1">
-            <a:schemeClr val="accent1"/>
-          </a:fillRef>
-          <a:effectRef idx="0">
-            <a:schemeClr val="accent1"/>
-          </a:effectRef>
-          <a:fontRef idx="minor">
-            <a:schemeClr val="lt1"/>
-          </a:fontRef>
-        </p:style>
-        <p:txBody>
-          <a:bodyPr rtlCol="0" anchor="ctr"/>
-          <a:lstStyle/>
-          <a:p>
-            <a:pPr algn="ctr"/>
-            <a:endParaRPr lang="en-US"/>
-          </a:p>
-        </p:txBody>
-      </p:sp>
-      <p:sp>
-        <p:nvSpPr>
-          <p:cNvPr id="34" name="テキスト ボックス 33">
-            <a:extLst>
-              <a:ext uri="{FF2B5EF4-FFF2-40B4-BE49-F238E27FC236}">
-                <a16:creationId xmlns:a16="http://schemas.microsoft.com/office/drawing/2014/main" id="{9716FFF8-EE7B-4B03-A254-5272CB7EB29C}"/>
+          <p:cNvPr id="219" name="テキスト ボックス 218">
+            <a:extLst>
+              <a:ext uri="{FF2B5EF4-FFF2-40B4-BE49-F238E27FC236}">
+                <a16:creationId xmlns:a16="http://schemas.microsoft.com/office/drawing/2014/main" id="{F8765206-0C82-4689-9B22-02658D56509D}"/>
               </a:ext>
             </a:extLst>
           </p:cNvPr>
@@ -8054,8 +6654,8 @@
           <p:nvPr/>
         </p:nvSpPr>
         <p:spPr>
-          <a:xfrm rot="16200000">
-            <a:off x="3403939" y="3326921"/>
+          <a:xfrm rot="5400000" flipH="1">
+            <a:off x="5079855" y="3361211"/>
             <a:ext cx="664444" cy="307777"/>
           </a:xfrm>
           <a:prstGeom prst="rect">
@@ -8081,1979 +6681,10 @@
           </a:p>
         </p:txBody>
       </p:sp>
-      <p:cxnSp>
-        <p:nvCxnSpPr>
-          <p:cNvPr id="35" name="直線コネクタ 34">
-            <a:extLst>
-              <a:ext uri="{FF2B5EF4-FFF2-40B4-BE49-F238E27FC236}">
-                <a16:creationId xmlns:a16="http://schemas.microsoft.com/office/drawing/2014/main" id="{F1BD619E-17E4-43A6-AF9D-DF85248B9E68}"/>
-              </a:ext>
-            </a:extLst>
-          </p:cNvPr>
-          <p:cNvCxnSpPr>
-            <a:cxnSpLocks/>
-          </p:cNvCxnSpPr>
-          <p:nvPr/>
-        </p:nvCxnSpPr>
-        <p:spPr>
-          <a:xfrm flipH="1" flipV="1">
-            <a:off x="2769933" y="3795025"/>
-            <a:ext cx="1173496" cy="8484"/>
-          </a:xfrm>
-          <a:prstGeom prst="line">
-            <a:avLst/>
-          </a:prstGeom>
-          <a:ln>
-            <a:headEnd type="oval" w="med" len="med"/>
-            <a:tailEnd type="oval" w="med" len="med"/>
-          </a:ln>
-        </p:spPr>
-        <p:style>
-          <a:lnRef idx="1">
-            <a:schemeClr val="accent1"/>
-          </a:lnRef>
-          <a:fillRef idx="0">
-            <a:schemeClr val="accent1"/>
-          </a:fillRef>
-          <a:effectRef idx="0">
-            <a:schemeClr val="accent1"/>
-          </a:effectRef>
-          <a:fontRef idx="minor">
-            <a:schemeClr val="tx1"/>
-          </a:fontRef>
-        </p:style>
-      </p:cxnSp>
-      <p:sp>
-        <p:nvSpPr>
-          <p:cNvPr id="36" name="テキスト ボックス 35">
-            <a:extLst>
-              <a:ext uri="{FF2B5EF4-FFF2-40B4-BE49-F238E27FC236}">
-                <a16:creationId xmlns:a16="http://schemas.microsoft.com/office/drawing/2014/main" id="{C61850EB-F159-4B55-BCD9-6A1FCDB1E67A}"/>
-              </a:ext>
-            </a:extLst>
-          </p:cNvPr>
-          <p:cNvSpPr txBox="1"/>
-          <p:nvPr/>
-        </p:nvSpPr>
-        <p:spPr>
-          <a:xfrm rot="16200000" flipH="1">
-            <a:off x="3895879" y="2680621"/>
-            <a:ext cx="335348" cy="261610"/>
-          </a:xfrm>
-          <a:prstGeom prst="rect">
-            <a:avLst/>
-          </a:prstGeom>
-          <a:noFill/>
-        </p:spPr>
-        <p:txBody>
-          <a:bodyPr wrap="none" rtlCol="0">
-            <a:spAutoFit/>
-          </a:bodyPr>
-          <a:lstStyle/>
-          <a:p>
-            <a:r>
-              <a:rPr lang="en-US" sz="1100" dirty="0"/>
-              <a:t>RX</a:t>
-            </a:r>
-          </a:p>
-        </p:txBody>
-      </p:sp>
-      <p:sp>
-        <p:nvSpPr>
-          <p:cNvPr id="37" name="テキスト ボックス 36">
-            <a:extLst>
-              <a:ext uri="{FF2B5EF4-FFF2-40B4-BE49-F238E27FC236}">
-                <a16:creationId xmlns:a16="http://schemas.microsoft.com/office/drawing/2014/main" id="{69F964D6-F21C-422A-B566-44EF064F12CD}"/>
-              </a:ext>
-            </a:extLst>
-          </p:cNvPr>
-          <p:cNvSpPr txBox="1"/>
-          <p:nvPr/>
-        </p:nvSpPr>
-        <p:spPr>
-          <a:xfrm rot="16200000" flipH="1">
-            <a:off x="3888476" y="2438772"/>
-            <a:ext cx="327334" cy="261610"/>
-          </a:xfrm>
-          <a:prstGeom prst="rect">
-            <a:avLst/>
-          </a:prstGeom>
-          <a:noFill/>
-        </p:spPr>
-        <p:txBody>
-          <a:bodyPr wrap="none" rtlCol="0">
-            <a:spAutoFit/>
-          </a:bodyPr>
-          <a:lstStyle/>
-          <a:p>
-            <a:r>
-              <a:rPr lang="en-US" sz="1100" dirty="0"/>
-              <a:t>TX</a:t>
-            </a:r>
-          </a:p>
-        </p:txBody>
-      </p:sp>
-      <p:cxnSp>
-        <p:nvCxnSpPr>
-          <p:cNvPr id="38" name="直線コネクタ 37">
-            <a:extLst>
-              <a:ext uri="{FF2B5EF4-FFF2-40B4-BE49-F238E27FC236}">
-                <a16:creationId xmlns:a16="http://schemas.microsoft.com/office/drawing/2014/main" id="{BFB41B83-7836-4760-94EC-B05B221552F9}"/>
-              </a:ext>
-            </a:extLst>
-          </p:cNvPr>
-          <p:cNvCxnSpPr>
-            <a:cxnSpLocks/>
-          </p:cNvCxnSpPr>
-          <p:nvPr/>
-        </p:nvCxnSpPr>
-        <p:spPr>
-          <a:xfrm flipH="1">
-            <a:off x="4743123" y="3782742"/>
-            <a:ext cx="9037" cy="995971"/>
-          </a:xfrm>
-          <a:prstGeom prst="line">
-            <a:avLst/>
-          </a:prstGeom>
-          <a:ln>
-            <a:headEnd type="oval" w="med" len="med"/>
-            <a:tailEnd type="oval" w="med" len="med"/>
-          </a:ln>
-        </p:spPr>
-        <p:style>
-          <a:lnRef idx="1">
-            <a:schemeClr val="accent1"/>
-          </a:lnRef>
-          <a:fillRef idx="0">
-            <a:schemeClr val="accent1"/>
-          </a:fillRef>
-          <a:effectRef idx="0">
-            <a:schemeClr val="accent1"/>
-          </a:effectRef>
-          <a:fontRef idx="minor">
-            <a:schemeClr val="tx1"/>
-          </a:fontRef>
-        </p:style>
-      </p:cxnSp>
-      <p:cxnSp>
-        <p:nvCxnSpPr>
-          <p:cNvPr id="39" name="直線コネクタ 38">
-            <a:extLst>
-              <a:ext uri="{FF2B5EF4-FFF2-40B4-BE49-F238E27FC236}">
-                <a16:creationId xmlns:a16="http://schemas.microsoft.com/office/drawing/2014/main" id="{6C06E93D-172F-4F9F-9167-32413E90D991}"/>
-              </a:ext>
-            </a:extLst>
-          </p:cNvPr>
-          <p:cNvCxnSpPr>
-            <a:cxnSpLocks/>
-          </p:cNvCxnSpPr>
-          <p:nvPr/>
-        </p:nvCxnSpPr>
-        <p:spPr>
-          <a:xfrm flipV="1">
-            <a:off x="5962258" y="2551639"/>
-            <a:ext cx="248623" cy="9248"/>
-          </a:xfrm>
-          <a:prstGeom prst="line">
-            <a:avLst/>
-          </a:prstGeom>
-          <a:ln>
-            <a:headEnd type="oval" w="med" len="med"/>
-            <a:tailEnd type="oval" w="med" len="med"/>
-          </a:ln>
-        </p:spPr>
-        <p:style>
-          <a:lnRef idx="1">
-            <a:schemeClr val="accent1"/>
-          </a:lnRef>
-          <a:fillRef idx="0">
-            <a:schemeClr val="accent1"/>
-          </a:fillRef>
-          <a:effectRef idx="0">
-            <a:schemeClr val="accent1"/>
-          </a:effectRef>
-          <a:fontRef idx="minor">
-            <a:schemeClr val="tx1"/>
-          </a:fontRef>
-        </p:style>
-      </p:cxnSp>
-      <p:cxnSp>
-        <p:nvCxnSpPr>
-          <p:cNvPr id="40" name="直線コネクタ 39">
-            <a:extLst>
-              <a:ext uri="{FF2B5EF4-FFF2-40B4-BE49-F238E27FC236}">
-                <a16:creationId xmlns:a16="http://schemas.microsoft.com/office/drawing/2014/main" id="{44711DB2-A840-40F3-AB40-D9088DD8EE07}"/>
-              </a:ext>
-            </a:extLst>
-          </p:cNvPr>
-          <p:cNvCxnSpPr>
-            <a:cxnSpLocks/>
-          </p:cNvCxnSpPr>
-          <p:nvPr/>
-        </p:nvCxnSpPr>
-        <p:spPr>
-          <a:xfrm>
-            <a:off x="4743124" y="2062856"/>
-            <a:ext cx="1467756" cy="0"/>
-          </a:xfrm>
-          <a:prstGeom prst="line">
-            <a:avLst/>
-          </a:prstGeom>
-          <a:ln>
-            <a:headEnd type="oval" w="med" len="med"/>
-            <a:tailEnd type="oval" w="med" len="med"/>
-          </a:ln>
-        </p:spPr>
-        <p:style>
-          <a:lnRef idx="1">
-            <a:schemeClr val="accent1"/>
-          </a:lnRef>
-          <a:fillRef idx="0">
-            <a:schemeClr val="accent1"/>
-          </a:fillRef>
-          <a:effectRef idx="0">
-            <a:schemeClr val="accent1"/>
-          </a:effectRef>
-          <a:fontRef idx="minor">
-            <a:schemeClr val="tx1"/>
-          </a:fontRef>
-        </p:style>
-      </p:cxnSp>
-      <p:cxnSp>
-        <p:nvCxnSpPr>
-          <p:cNvPr id="41" name="直線コネクタ 40">
-            <a:extLst>
-              <a:ext uri="{FF2B5EF4-FFF2-40B4-BE49-F238E27FC236}">
-                <a16:creationId xmlns:a16="http://schemas.microsoft.com/office/drawing/2014/main" id="{EB5205EF-EF74-4845-AE5C-3E13DBDF49C0}"/>
-              </a:ext>
-            </a:extLst>
-          </p:cNvPr>
-          <p:cNvCxnSpPr>
-            <a:cxnSpLocks/>
-          </p:cNvCxnSpPr>
-          <p:nvPr/>
-        </p:nvCxnSpPr>
-        <p:spPr>
-          <a:xfrm>
-            <a:off x="5725192" y="3028407"/>
-            <a:ext cx="15714" cy="1250214"/>
-          </a:xfrm>
-          <a:prstGeom prst="line">
-            <a:avLst/>
-          </a:prstGeom>
-          <a:ln>
-            <a:headEnd type="oval" w="med" len="med"/>
-            <a:tailEnd type="oval" w="med" len="med"/>
-          </a:ln>
-        </p:spPr>
-        <p:style>
-          <a:lnRef idx="1">
-            <a:schemeClr val="accent1"/>
-          </a:lnRef>
-          <a:fillRef idx="0">
-            <a:schemeClr val="accent1"/>
-          </a:fillRef>
-          <a:effectRef idx="0">
-            <a:schemeClr val="accent1"/>
-          </a:effectRef>
-          <a:fontRef idx="minor">
-            <a:schemeClr val="tx1"/>
-          </a:fontRef>
-        </p:style>
-      </p:cxnSp>
-      <p:cxnSp>
-        <p:nvCxnSpPr>
-          <p:cNvPr id="42" name="直線コネクタ 41">
-            <a:extLst>
-              <a:ext uri="{FF2B5EF4-FFF2-40B4-BE49-F238E27FC236}">
-                <a16:creationId xmlns:a16="http://schemas.microsoft.com/office/drawing/2014/main" id="{EF0B4994-7D76-4910-96BE-37F914D5A82B}"/>
-              </a:ext>
-            </a:extLst>
-          </p:cNvPr>
-          <p:cNvCxnSpPr>
-            <a:cxnSpLocks/>
-          </p:cNvCxnSpPr>
-          <p:nvPr/>
-        </p:nvCxnSpPr>
-        <p:spPr>
-          <a:xfrm>
-            <a:off x="4758775" y="2811169"/>
-            <a:ext cx="713654" cy="0"/>
-          </a:xfrm>
-          <a:prstGeom prst="line">
-            <a:avLst/>
-          </a:prstGeom>
-          <a:ln>
-            <a:headEnd type="oval" w="med" len="med"/>
-            <a:tailEnd type="oval" w="med" len="med"/>
-          </a:ln>
-        </p:spPr>
-        <p:style>
-          <a:lnRef idx="1">
-            <a:schemeClr val="accent1"/>
-          </a:lnRef>
-          <a:fillRef idx="0">
-            <a:schemeClr val="accent1"/>
-          </a:fillRef>
-          <a:effectRef idx="0">
-            <a:schemeClr val="accent1"/>
-          </a:effectRef>
-          <a:fontRef idx="minor">
-            <a:schemeClr val="tx1"/>
-          </a:fontRef>
-        </p:style>
-      </p:cxnSp>
-      <p:cxnSp>
-        <p:nvCxnSpPr>
-          <p:cNvPr id="43" name="直線コネクタ 42">
-            <a:extLst>
-              <a:ext uri="{FF2B5EF4-FFF2-40B4-BE49-F238E27FC236}">
-                <a16:creationId xmlns:a16="http://schemas.microsoft.com/office/drawing/2014/main" id="{74260C4B-062E-44FB-A94A-001B38BA1B3D}"/>
-              </a:ext>
-            </a:extLst>
-          </p:cNvPr>
-          <p:cNvCxnSpPr>
-            <a:cxnSpLocks/>
-          </p:cNvCxnSpPr>
-          <p:nvPr/>
-        </p:nvCxnSpPr>
-        <p:spPr>
-          <a:xfrm flipV="1">
-            <a:off x="4754867" y="3051467"/>
-            <a:ext cx="471543" cy="617"/>
-          </a:xfrm>
-          <a:prstGeom prst="line">
-            <a:avLst/>
-          </a:prstGeom>
-          <a:ln>
-            <a:headEnd type="oval" w="med" len="med"/>
-            <a:tailEnd type="oval" w="med" len="med"/>
-          </a:ln>
-        </p:spPr>
-        <p:style>
-          <a:lnRef idx="1">
-            <a:schemeClr val="accent1"/>
-          </a:lnRef>
-          <a:fillRef idx="0">
-            <a:schemeClr val="accent1"/>
-          </a:fillRef>
-          <a:effectRef idx="0">
-            <a:schemeClr val="accent1"/>
-          </a:effectRef>
-          <a:fontRef idx="minor">
-            <a:schemeClr val="tx1"/>
-          </a:fontRef>
-        </p:style>
-      </p:cxnSp>
-      <p:cxnSp>
-        <p:nvCxnSpPr>
-          <p:cNvPr id="44" name="直線コネクタ 43">
-            <a:extLst>
-              <a:ext uri="{FF2B5EF4-FFF2-40B4-BE49-F238E27FC236}">
-                <a16:creationId xmlns:a16="http://schemas.microsoft.com/office/drawing/2014/main" id="{8BF2719D-42DC-4C23-B9A2-E97DCC81FD86}"/>
-              </a:ext>
-            </a:extLst>
-          </p:cNvPr>
-          <p:cNvCxnSpPr>
-            <a:cxnSpLocks/>
-          </p:cNvCxnSpPr>
-          <p:nvPr/>
-        </p:nvCxnSpPr>
-        <p:spPr>
-          <a:xfrm>
-            <a:off x="5466471" y="3041729"/>
-            <a:ext cx="1" cy="1253540"/>
-          </a:xfrm>
-          <a:prstGeom prst="line">
-            <a:avLst/>
-          </a:prstGeom>
-          <a:ln>
-            <a:headEnd type="oval" w="med" len="med"/>
-            <a:tailEnd type="oval" w="med" len="med"/>
-          </a:ln>
-        </p:spPr>
-        <p:style>
-          <a:lnRef idx="1">
-            <a:schemeClr val="accent1"/>
-          </a:lnRef>
-          <a:fillRef idx="0">
-            <a:schemeClr val="accent1"/>
-          </a:fillRef>
-          <a:effectRef idx="0">
-            <a:schemeClr val="accent1"/>
-          </a:effectRef>
-          <a:fontRef idx="minor">
-            <a:schemeClr val="tx1"/>
-          </a:fontRef>
-        </p:style>
-      </p:cxnSp>
-      <p:cxnSp>
-        <p:nvCxnSpPr>
-          <p:cNvPr id="45" name="直線コネクタ 44">
-            <a:extLst>
-              <a:ext uri="{FF2B5EF4-FFF2-40B4-BE49-F238E27FC236}">
-                <a16:creationId xmlns:a16="http://schemas.microsoft.com/office/drawing/2014/main" id="{7A9CC0AB-60F3-4947-A3A5-37B4960F25B4}"/>
-              </a:ext>
-            </a:extLst>
-          </p:cNvPr>
-          <p:cNvCxnSpPr>
-            <a:cxnSpLocks/>
-          </p:cNvCxnSpPr>
-          <p:nvPr/>
-        </p:nvCxnSpPr>
-        <p:spPr>
-          <a:xfrm flipV="1">
-            <a:off x="5222637" y="3028408"/>
-            <a:ext cx="17028" cy="1266408"/>
-          </a:xfrm>
-          <a:prstGeom prst="line">
-            <a:avLst/>
-          </a:prstGeom>
-          <a:ln>
-            <a:headEnd type="oval" w="med" len="med"/>
-            <a:tailEnd type="oval" w="med" len="med"/>
-          </a:ln>
-        </p:spPr>
-        <p:style>
-          <a:lnRef idx="1">
-            <a:schemeClr val="accent1"/>
-          </a:lnRef>
-          <a:fillRef idx="0">
-            <a:schemeClr val="accent1"/>
-          </a:fillRef>
-          <a:effectRef idx="0">
-            <a:schemeClr val="accent1"/>
-          </a:effectRef>
-          <a:fontRef idx="minor">
-            <a:schemeClr val="tx1"/>
-          </a:fontRef>
-        </p:style>
-      </p:cxnSp>
-      <p:cxnSp>
-        <p:nvCxnSpPr>
-          <p:cNvPr id="46" name="直線コネクタ 45">
-            <a:extLst>
-              <a:ext uri="{FF2B5EF4-FFF2-40B4-BE49-F238E27FC236}">
-                <a16:creationId xmlns:a16="http://schemas.microsoft.com/office/drawing/2014/main" id="{43BBE45B-0CA9-40CF-8C35-E65004B274E5}"/>
-              </a:ext>
-            </a:extLst>
-          </p:cNvPr>
-          <p:cNvCxnSpPr>
-            <a:cxnSpLocks/>
-          </p:cNvCxnSpPr>
-          <p:nvPr/>
-        </p:nvCxnSpPr>
-        <p:spPr>
-          <a:xfrm>
-            <a:off x="6200363" y="2061591"/>
-            <a:ext cx="10518" cy="490048"/>
-          </a:xfrm>
-          <a:prstGeom prst="line">
-            <a:avLst/>
-          </a:prstGeom>
-          <a:ln>
-            <a:headEnd type="oval" w="med" len="med"/>
-            <a:tailEnd type="oval" w="med" len="med"/>
-          </a:ln>
-        </p:spPr>
-        <p:style>
-          <a:lnRef idx="1">
-            <a:schemeClr val="accent1"/>
-          </a:lnRef>
-          <a:fillRef idx="0">
-            <a:schemeClr val="accent1"/>
-          </a:fillRef>
-          <a:effectRef idx="0">
-            <a:schemeClr val="accent1"/>
-          </a:effectRef>
-          <a:fontRef idx="minor">
-            <a:schemeClr val="tx1"/>
-          </a:fontRef>
-        </p:style>
-      </p:cxnSp>
-      <p:cxnSp>
-        <p:nvCxnSpPr>
-          <p:cNvPr id="47" name="直線コネクタ 46">
-            <a:extLst>
-              <a:ext uri="{FF2B5EF4-FFF2-40B4-BE49-F238E27FC236}">
-                <a16:creationId xmlns:a16="http://schemas.microsoft.com/office/drawing/2014/main" id="{DFAFC4FB-A60F-415F-9312-E95661EF9216}"/>
-              </a:ext>
-            </a:extLst>
-          </p:cNvPr>
-          <p:cNvCxnSpPr>
-            <a:cxnSpLocks/>
-          </p:cNvCxnSpPr>
-          <p:nvPr/>
-        </p:nvCxnSpPr>
-        <p:spPr>
-          <a:xfrm>
-            <a:off x="4743124" y="2544910"/>
-            <a:ext cx="970968" cy="7593"/>
-          </a:xfrm>
-          <a:prstGeom prst="line">
-            <a:avLst/>
-          </a:prstGeom>
-          <a:ln>
-            <a:headEnd type="oval" w="med" len="med"/>
-            <a:tailEnd type="oval" w="med" len="med"/>
-          </a:ln>
-        </p:spPr>
-        <p:style>
-          <a:lnRef idx="1">
-            <a:schemeClr val="accent1"/>
-          </a:lnRef>
-          <a:fillRef idx="0">
-            <a:schemeClr val="accent1"/>
-          </a:fillRef>
-          <a:effectRef idx="0">
-            <a:schemeClr val="accent1"/>
-          </a:effectRef>
-          <a:fontRef idx="minor">
-            <a:schemeClr val="tx1"/>
-          </a:fontRef>
-        </p:style>
-      </p:cxnSp>
-      <p:cxnSp>
-        <p:nvCxnSpPr>
-          <p:cNvPr id="48" name="直線コネクタ 47">
-            <a:extLst>
-              <a:ext uri="{FF2B5EF4-FFF2-40B4-BE49-F238E27FC236}">
-                <a16:creationId xmlns:a16="http://schemas.microsoft.com/office/drawing/2014/main" id="{4CE9B781-24CA-4CA1-B398-3EBB53EA0A0D}"/>
-              </a:ext>
-            </a:extLst>
-          </p:cNvPr>
-          <p:cNvCxnSpPr>
-            <a:cxnSpLocks/>
-          </p:cNvCxnSpPr>
-          <p:nvPr/>
-        </p:nvCxnSpPr>
-        <p:spPr>
-          <a:xfrm flipH="1" flipV="1">
-            <a:off x="2728545" y="4774399"/>
-            <a:ext cx="2264642" cy="7281"/>
-          </a:xfrm>
-          <a:prstGeom prst="line">
-            <a:avLst/>
-          </a:prstGeom>
-          <a:ln>
-            <a:headEnd type="oval" w="med" len="med"/>
-            <a:tailEnd type="oval" w="med" len="med"/>
-          </a:ln>
-        </p:spPr>
-        <p:style>
-          <a:lnRef idx="1">
-            <a:schemeClr val="accent1"/>
-          </a:lnRef>
-          <a:fillRef idx="0">
-            <a:schemeClr val="accent1"/>
-          </a:fillRef>
-          <a:effectRef idx="0">
-            <a:schemeClr val="accent1"/>
-          </a:effectRef>
-          <a:fontRef idx="minor">
-            <a:schemeClr val="tx1"/>
-          </a:fontRef>
-        </p:style>
-      </p:cxnSp>
-      <p:cxnSp>
-        <p:nvCxnSpPr>
-          <p:cNvPr id="49" name="直線コネクタ 48">
-            <a:extLst>
-              <a:ext uri="{FF2B5EF4-FFF2-40B4-BE49-F238E27FC236}">
-                <a16:creationId xmlns:a16="http://schemas.microsoft.com/office/drawing/2014/main" id="{603E1A48-1966-4A86-9C23-27B44BA84C9C}"/>
-              </a:ext>
-            </a:extLst>
-          </p:cNvPr>
-          <p:cNvCxnSpPr>
-            <a:cxnSpLocks/>
-          </p:cNvCxnSpPr>
-          <p:nvPr/>
-        </p:nvCxnSpPr>
-        <p:spPr>
-          <a:xfrm rot="16200000">
-            <a:off x="4861900" y="4647875"/>
-            <a:ext cx="253048" cy="0"/>
-          </a:xfrm>
-          <a:prstGeom prst="line">
-            <a:avLst/>
-          </a:prstGeom>
-          <a:ln>
-            <a:headEnd type="oval" w="med" len="med"/>
-            <a:tailEnd type="oval" w="med" len="med"/>
-          </a:ln>
-        </p:spPr>
-        <p:style>
-          <a:lnRef idx="1">
-            <a:schemeClr val="accent1"/>
-          </a:lnRef>
-          <a:fillRef idx="0">
-            <a:schemeClr val="accent1"/>
-          </a:fillRef>
-          <a:effectRef idx="0">
-            <a:schemeClr val="accent1"/>
-          </a:effectRef>
-          <a:fontRef idx="minor">
-            <a:schemeClr val="tx1"/>
-          </a:fontRef>
-        </p:style>
-      </p:cxnSp>
-      <p:cxnSp>
-        <p:nvCxnSpPr>
-          <p:cNvPr id="50" name="直線コネクタ 49">
-            <a:extLst>
-              <a:ext uri="{FF2B5EF4-FFF2-40B4-BE49-F238E27FC236}">
-                <a16:creationId xmlns:a16="http://schemas.microsoft.com/office/drawing/2014/main" id="{81A17B2C-0B4C-43B1-B588-7FE33462C4E3}"/>
-              </a:ext>
-            </a:extLst>
-          </p:cNvPr>
-          <p:cNvCxnSpPr>
-            <a:cxnSpLocks/>
-          </p:cNvCxnSpPr>
-          <p:nvPr/>
-        </p:nvCxnSpPr>
-        <p:spPr>
-          <a:xfrm rot="16200000">
-            <a:off x="2854574" y="4634811"/>
-            <a:ext cx="253048" cy="0"/>
-          </a:xfrm>
-          <a:prstGeom prst="line">
-            <a:avLst/>
-          </a:prstGeom>
-          <a:ln>
-            <a:headEnd type="oval" w="med" len="med"/>
-            <a:tailEnd type="oval" w="med" len="med"/>
-          </a:ln>
-        </p:spPr>
-        <p:style>
-          <a:lnRef idx="1">
-            <a:schemeClr val="accent1"/>
-          </a:lnRef>
-          <a:fillRef idx="0">
-            <a:schemeClr val="accent1"/>
-          </a:fillRef>
-          <a:effectRef idx="0">
-            <a:schemeClr val="accent1"/>
-          </a:effectRef>
-          <a:fontRef idx="minor">
-            <a:schemeClr val="tx1"/>
-          </a:fontRef>
-        </p:style>
-      </p:cxnSp>
-      <p:cxnSp>
-        <p:nvCxnSpPr>
-          <p:cNvPr id="51" name="直線コネクタ 50">
-            <a:extLst>
-              <a:ext uri="{FF2B5EF4-FFF2-40B4-BE49-F238E27FC236}">
-                <a16:creationId xmlns:a16="http://schemas.microsoft.com/office/drawing/2014/main" id="{56C4233B-9A5B-4E58-9932-E1AE09654B03}"/>
-              </a:ext>
-            </a:extLst>
-          </p:cNvPr>
-          <p:cNvCxnSpPr>
-            <a:cxnSpLocks/>
-          </p:cNvCxnSpPr>
-          <p:nvPr/>
-        </p:nvCxnSpPr>
-        <p:spPr>
-          <a:xfrm>
-            <a:off x="5958501" y="3037370"/>
-            <a:ext cx="1" cy="1250691"/>
-          </a:xfrm>
-          <a:prstGeom prst="line">
-            <a:avLst/>
-          </a:prstGeom>
-          <a:ln>
-            <a:headEnd type="oval" w="med" len="med"/>
-            <a:tailEnd type="oval" w="med" len="med"/>
-          </a:ln>
-        </p:spPr>
-        <p:style>
-          <a:lnRef idx="1">
-            <a:schemeClr val="accent1"/>
-          </a:lnRef>
-          <a:fillRef idx="0">
-            <a:schemeClr val="accent1"/>
-          </a:fillRef>
-          <a:effectRef idx="0">
-            <a:schemeClr val="accent1"/>
-          </a:effectRef>
-          <a:fontRef idx="minor">
-            <a:schemeClr val="tx1"/>
-          </a:fontRef>
-        </p:style>
-      </p:cxnSp>
-      <p:cxnSp>
-        <p:nvCxnSpPr>
-          <p:cNvPr id="52" name="直線コネクタ 51">
-            <a:extLst>
-              <a:ext uri="{FF2B5EF4-FFF2-40B4-BE49-F238E27FC236}">
-                <a16:creationId xmlns:a16="http://schemas.microsoft.com/office/drawing/2014/main" id="{DBB876CC-F766-4C5B-B3E3-C0B21345F3E5}"/>
-              </a:ext>
-            </a:extLst>
-          </p:cNvPr>
-          <p:cNvCxnSpPr>
-            <a:cxnSpLocks/>
-          </p:cNvCxnSpPr>
-          <p:nvPr/>
-        </p:nvCxnSpPr>
-        <p:spPr>
-          <a:xfrm flipH="1">
-            <a:off x="4741689" y="2065942"/>
-            <a:ext cx="0" cy="275831"/>
-          </a:xfrm>
-          <a:prstGeom prst="line">
-            <a:avLst/>
-          </a:prstGeom>
-          <a:ln>
-            <a:headEnd type="oval" w="med" len="med"/>
-            <a:tailEnd type="oval" w="med" len="med"/>
-          </a:ln>
-        </p:spPr>
-        <p:style>
-          <a:lnRef idx="1">
-            <a:schemeClr val="accent1"/>
-          </a:lnRef>
-          <a:fillRef idx="0">
-            <a:schemeClr val="accent1"/>
-          </a:fillRef>
-          <a:effectRef idx="0">
-            <a:schemeClr val="accent1"/>
-          </a:effectRef>
-          <a:fontRef idx="minor">
-            <a:schemeClr val="tx1"/>
-          </a:fontRef>
-        </p:style>
-      </p:cxnSp>
-      <p:cxnSp>
-        <p:nvCxnSpPr>
-          <p:cNvPr id="53" name="直線コネクタ 52">
-            <a:extLst>
-              <a:ext uri="{FF2B5EF4-FFF2-40B4-BE49-F238E27FC236}">
-                <a16:creationId xmlns:a16="http://schemas.microsoft.com/office/drawing/2014/main" id="{810F4ACC-12EE-46F7-BAD8-4BEE650398C7}"/>
-              </a:ext>
-            </a:extLst>
-          </p:cNvPr>
-          <p:cNvCxnSpPr>
-            <a:cxnSpLocks/>
-          </p:cNvCxnSpPr>
-          <p:nvPr/>
-        </p:nvCxnSpPr>
-        <p:spPr>
-          <a:xfrm>
-            <a:off x="4993187" y="2302264"/>
-            <a:ext cx="984763" cy="11460"/>
-          </a:xfrm>
-          <a:prstGeom prst="line">
-            <a:avLst/>
-          </a:prstGeom>
-          <a:ln>
-            <a:headEnd type="oval" w="med" len="med"/>
-            <a:tailEnd type="oval" w="med" len="med"/>
-          </a:ln>
-        </p:spPr>
-        <p:style>
-          <a:lnRef idx="1">
-            <a:schemeClr val="accent1"/>
-          </a:lnRef>
-          <a:fillRef idx="0">
-            <a:schemeClr val="accent1"/>
-          </a:fillRef>
-          <a:effectRef idx="0">
-            <a:schemeClr val="accent1"/>
-          </a:effectRef>
-          <a:fontRef idx="minor">
-            <a:schemeClr val="tx1"/>
-          </a:fontRef>
-        </p:style>
-      </p:cxnSp>
-      <p:cxnSp>
-        <p:nvCxnSpPr>
-          <p:cNvPr id="54" name="直線コネクタ 53">
-            <a:extLst>
-              <a:ext uri="{FF2B5EF4-FFF2-40B4-BE49-F238E27FC236}">
-                <a16:creationId xmlns:a16="http://schemas.microsoft.com/office/drawing/2014/main" id="{3A9B94BE-E2A5-4C45-8F7C-5583A45C82CC}"/>
-              </a:ext>
-            </a:extLst>
-          </p:cNvPr>
-          <p:cNvCxnSpPr>
-            <a:cxnSpLocks/>
-          </p:cNvCxnSpPr>
-          <p:nvPr/>
-        </p:nvCxnSpPr>
-        <p:spPr>
-          <a:xfrm>
-            <a:off x="3003139" y="1791379"/>
-            <a:ext cx="1986384" cy="12894"/>
-          </a:xfrm>
-          <a:prstGeom prst="line">
-            <a:avLst/>
-          </a:prstGeom>
-          <a:ln>
-            <a:headEnd type="oval" w="med" len="med"/>
-            <a:tailEnd type="oval" w="med" len="med"/>
-          </a:ln>
-        </p:spPr>
-        <p:style>
-          <a:lnRef idx="1">
-            <a:schemeClr val="accent1"/>
-          </a:lnRef>
-          <a:fillRef idx="0">
-            <a:schemeClr val="accent1"/>
-          </a:fillRef>
-          <a:effectRef idx="0">
-            <a:schemeClr val="accent1"/>
-          </a:effectRef>
-          <a:fontRef idx="minor">
-            <a:schemeClr val="tx1"/>
-          </a:fontRef>
-        </p:style>
-      </p:cxnSp>
-      <p:cxnSp>
-        <p:nvCxnSpPr>
-          <p:cNvPr id="55" name="直線コネクタ 54">
-            <a:extLst>
-              <a:ext uri="{FF2B5EF4-FFF2-40B4-BE49-F238E27FC236}">
-                <a16:creationId xmlns:a16="http://schemas.microsoft.com/office/drawing/2014/main" id="{6798174B-A035-4187-B186-2589DFE6C61D}"/>
-              </a:ext>
-            </a:extLst>
-          </p:cNvPr>
-          <p:cNvCxnSpPr>
-            <a:cxnSpLocks/>
-          </p:cNvCxnSpPr>
-          <p:nvPr/>
-        </p:nvCxnSpPr>
-        <p:spPr>
-          <a:xfrm>
-            <a:off x="2769933" y="3803509"/>
-            <a:ext cx="7273" cy="704778"/>
-          </a:xfrm>
-          <a:prstGeom prst="line">
-            <a:avLst/>
-          </a:prstGeom>
-          <a:ln>
-            <a:headEnd type="oval" w="med" len="med"/>
-            <a:tailEnd type="oval" w="med" len="med"/>
-          </a:ln>
-        </p:spPr>
-        <p:style>
-          <a:lnRef idx="1">
-            <a:schemeClr val="accent1"/>
-          </a:lnRef>
-          <a:fillRef idx="0">
-            <a:schemeClr val="accent1"/>
-          </a:fillRef>
-          <a:effectRef idx="0">
-            <a:schemeClr val="accent1"/>
-          </a:effectRef>
-          <a:fontRef idx="minor">
-            <a:schemeClr val="tx1"/>
-          </a:fontRef>
-        </p:style>
-      </p:cxnSp>
-      <p:cxnSp>
-        <p:nvCxnSpPr>
-          <p:cNvPr id="56" name="直線コネクタ 55">
-            <a:extLst>
-              <a:ext uri="{FF2B5EF4-FFF2-40B4-BE49-F238E27FC236}">
-                <a16:creationId xmlns:a16="http://schemas.microsoft.com/office/drawing/2014/main" id="{26BDF6A8-17D7-417E-96CD-D2698457B748}"/>
-              </a:ext>
-            </a:extLst>
-          </p:cNvPr>
-          <p:cNvCxnSpPr>
-            <a:cxnSpLocks/>
-          </p:cNvCxnSpPr>
-          <p:nvPr/>
-        </p:nvCxnSpPr>
-        <p:spPr>
-          <a:xfrm flipV="1">
-            <a:off x="3251334" y="4044784"/>
-            <a:ext cx="2122" cy="477409"/>
-          </a:xfrm>
-          <a:prstGeom prst="line">
-            <a:avLst/>
-          </a:prstGeom>
-          <a:ln>
-            <a:headEnd type="oval" w="med" len="med"/>
-            <a:tailEnd type="oval" w="med" len="med"/>
-          </a:ln>
-        </p:spPr>
-        <p:style>
-          <a:lnRef idx="1">
-            <a:schemeClr val="accent1"/>
-          </a:lnRef>
-          <a:fillRef idx="0">
-            <a:schemeClr val="accent1"/>
-          </a:fillRef>
-          <a:effectRef idx="0">
-            <a:schemeClr val="accent1"/>
-          </a:effectRef>
-          <a:fontRef idx="minor">
-            <a:schemeClr val="tx1"/>
-          </a:fontRef>
-        </p:style>
-      </p:cxnSp>
-      <p:cxnSp>
-        <p:nvCxnSpPr>
-          <p:cNvPr id="57" name="直線コネクタ 56">
-            <a:extLst>
-              <a:ext uri="{FF2B5EF4-FFF2-40B4-BE49-F238E27FC236}">
-                <a16:creationId xmlns:a16="http://schemas.microsoft.com/office/drawing/2014/main" id="{E78726D7-BCA6-4ADA-B2C0-0580A20C8D9B}"/>
-              </a:ext>
-            </a:extLst>
-          </p:cNvPr>
-          <p:cNvCxnSpPr>
-            <a:cxnSpLocks/>
-          </p:cNvCxnSpPr>
-          <p:nvPr/>
-        </p:nvCxnSpPr>
-        <p:spPr>
-          <a:xfrm flipV="1">
-            <a:off x="3508239" y="4031719"/>
-            <a:ext cx="2122" cy="477409"/>
-          </a:xfrm>
-          <a:prstGeom prst="line">
-            <a:avLst/>
-          </a:prstGeom>
-          <a:ln>
-            <a:headEnd type="oval" w="med" len="med"/>
-            <a:tailEnd type="oval" w="med" len="med"/>
-          </a:ln>
-        </p:spPr>
-        <p:style>
-          <a:lnRef idx="1">
-            <a:schemeClr val="accent1"/>
-          </a:lnRef>
-          <a:fillRef idx="0">
-            <a:schemeClr val="accent1"/>
-          </a:fillRef>
-          <a:effectRef idx="0">
-            <a:schemeClr val="accent1"/>
-          </a:effectRef>
-          <a:fontRef idx="minor">
-            <a:schemeClr val="tx1"/>
-          </a:fontRef>
-        </p:style>
-      </p:cxnSp>
-      <p:cxnSp>
-        <p:nvCxnSpPr>
-          <p:cNvPr id="58" name="直線コネクタ 57">
-            <a:extLst>
-              <a:ext uri="{FF2B5EF4-FFF2-40B4-BE49-F238E27FC236}">
-                <a16:creationId xmlns:a16="http://schemas.microsoft.com/office/drawing/2014/main" id="{E5A8334E-63A6-44C0-AF10-A97A68115278}"/>
-              </a:ext>
-            </a:extLst>
-          </p:cNvPr>
-          <p:cNvCxnSpPr>
-            <a:cxnSpLocks/>
-          </p:cNvCxnSpPr>
-          <p:nvPr/>
-        </p:nvCxnSpPr>
-        <p:spPr>
-          <a:xfrm flipV="1">
-            <a:off x="3495178" y="3548392"/>
-            <a:ext cx="2122" cy="477409"/>
-          </a:xfrm>
-          <a:prstGeom prst="line">
-            <a:avLst/>
-          </a:prstGeom>
-          <a:ln>
-            <a:solidFill>
-              <a:srgbClr val="FF0000"/>
-            </a:solidFill>
-            <a:headEnd type="oval" w="med" len="med"/>
-            <a:tailEnd type="oval" w="med" len="med"/>
-          </a:ln>
-        </p:spPr>
-        <p:style>
-          <a:lnRef idx="1">
-            <a:schemeClr val="accent1"/>
-          </a:lnRef>
-          <a:fillRef idx="0">
-            <a:schemeClr val="accent1"/>
-          </a:fillRef>
-          <a:effectRef idx="0">
-            <a:schemeClr val="accent1"/>
-          </a:effectRef>
-          <a:fontRef idx="minor">
-            <a:schemeClr val="tx1"/>
-          </a:fontRef>
-        </p:style>
-      </p:cxnSp>
-      <p:cxnSp>
-        <p:nvCxnSpPr>
-          <p:cNvPr id="59" name="直線コネクタ 58">
-            <a:extLst>
-              <a:ext uri="{FF2B5EF4-FFF2-40B4-BE49-F238E27FC236}">
-                <a16:creationId xmlns:a16="http://schemas.microsoft.com/office/drawing/2014/main" id="{A3F085AE-5311-4217-993B-FF81F0E70A5B}"/>
-              </a:ext>
-            </a:extLst>
-          </p:cNvPr>
-          <p:cNvCxnSpPr>
-            <a:cxnSpLocks/>
-          </p:cNvCxnSpPr>
-          <p:nvPr/>
-        </p:nvCxnSpPr>
-        <p:spPr>
-          <a:xfrm flipV="1">
-            <a:off x="3246982" y="3544038"/>
-            <a:ext cx="2122" cy="477409"/>
-          </a:xfrm>
-          <a:prstGeom prst="line">
-            <a:avLst/>
-          </a:prstGeom>
-          <a:ln>
-            <a:solidFill>
-              <a:srgbClr val="FF0000"/>
-            </a:solidFill>
-            <a:headEnd type="oval" w="med" len="med"/>
-            <a:tailEnd type="oval" w="med" len="med"/>
-          </a:ln>
-        </p:spPr>
-        <p:style>
-          <a:lnRef idx="1">
-            <a:schemeClr val="accent1"/>
-          </a:lnRef>
-          <a:fillRef idx="0">
-            <a:schemeClr val="accent1"/>
-          </a:fillRef>
-          <a:effectRef idx="0">
-            <a:schemeClr val="accent1"/>
-          </a:effectRef>
-          <a:fontRef idx="minor">
-            <a:schemeClr val="tx1"/>
-          </a:fontRef>
-        </p:style>
-      </p:cxnSp>
-      <p:cxnSp>
-        <p:nvCxnSpPr>
-          <p:cNvPr id="60" name="直線コネクタ 59">
-            <a:extLst>
-              <a:ext uri="{FF2B5EF4-FFF2-40B4-BE49-F238E27FC236}">
-                <a16:creationId xmlns:a16="http://schemas.microsoft.com/office/drawing/2014/main" id="{918E2B9F-48CC-4188-8C73-587EE6E6D095}"/>
-              </a:ext>
-            </a:extLst>
-          </p:cNvPr>
-          <p:cNvCxnSpPr>
-            <a:cxnSpLocks/>
-          </p:cNvCxnSpPr>
-          <p:nvPr/>
-        </p:nvCxnSpPr>
-        <p:spPr>
-          <a:xfrm flipH="1" flipV="1">
-            <a:off x="3489602" y="2551639"/>
-            <a:ext cx="5577" cy="977777"/>
-          </a:xfrm>
-          <a:prstGeom prst="line">
-            <a:avLst/>
-          </a:prstGeom>
-          <a:ln>
-            <a:headEnd type="oval" w="med" len="med"/>
-            <a:tailEnd type="oval" w="med" len="med"/>
-          </a:ln>
-        </p:spPr>
-        <p:style>
-          <a:lnRef idx="1">
-            <a:schemeClr val="accent1"/>
-          </a:lnRef>
-          <a:fillRef idx="0">
-            <a:schemeClr val="accent1"/>
-          </a:fillRef>
-          <a:effectRef idx="0">
-            <a:schemeClr val="accent1"/>
-          </a:effectRef>
-          <a:fontRef idx="minor">
-            <a:schemeClr val="tx1"/>
-          </a:fontRef>
-        </p:style>
-      </p:cxnSp>
-      <p:cxnSp>
-        <p:nvCxnSpPr>
-          <p:cNvPr id="61" name="直線コネクタ 60">
-            <a:extLst>
-              <a:ext uri="{FF2B5EF4-FFF2-40B4-BE49-F238E27FC236}">
-                <a16:creationId xmlns:a16="http://schemas.microsoft.com/office/drawing/2014/main" id="{625F8A35-11DF-4C02-A25D-D3DF7B299D53}"/>
-              </a:ext>
-            </a:extLst>
-          </p:cNvPr>
-          <p:cNvCxnSpPr>
-            <a:cxnSpLocks/>
-          </p:cNvCxnSpPr>
-          <p:nvPr/>
-        </p:nvCxnSpPr>
-        <p:spPr>
-          <a:xfrm>
-            <a:off x="3489602" y="2551639"/>
-            <a:ext cx="431073" cy="4353"/>
-          </a:xfrm>
-          <a:prstGeom prst="line">
-            <a:avLst/>
-          </a:prstGeom>
-          <a:ln>
-            <a:headEnd type="oval" w="med" len="med"/>
-            <a:tailEnd type="oval" w="med" len="med"/>
-          </a:ln>
-        </p:spPr>
-        <p:style>
-          <a:lnRef idx="1">
-            <a:schemeClr val="accent1"/>
-          </a:lnRef>
-          <a:fillRef idx="0">
-            <a:schemeClr val="accent1"/>
-          </a:fillRef>
-          <a:effectRef idx="0">
-            <a:schemeClr val="accent1"/>
-          </a:effectRef>
-          <a:fontRef idx="minor">
-            <a:schemeClr val="tx1"/>
-          </a:fontRef>
-        </p:style>
-      </p:cxnSp>
-      <p:cxnSp>
-        <p:nvCxnSpPr>
-          <p:cNvPr id="62" name="直線コネクタ 61">
-            <a:extLst>
-              <a:ext uri="{FF2B5EF4-FFF2-40B4-BE49-F238E27FC236}">
-                <a16:creationId xmlns:a16="http://schemas.microsoft.com/office/drawing/2014/main" id="{F2CC9388-BA1D-45C8-B11B-B778AC77B780}"/>
-              </a:ext>
-            </a:extLst>
-          </p:cNvPr>
-          <p:cNvCxnSpPr>
-            <a:cxnSpLocks/>
-          </p:cNvCxnSpPr>
-          <p:nvPr/>
-        </p:nvCxnSpPr>
-        <p:spPr>
-          <a:xfrm>
-            <a:off x="3747838" y="2797473"/>
-            <a:ext cx="185901" cy="6716"/>
-          </a:xfrm>
-          <a:prstGeom prst="line">
-            <a:avLst/>
-          </a:prstGeom>
-          <a:ln>
-            <a:headEnd type="oval" w="med" len="med"/>
-            <a:tailEnd type="oval" w="med" len="med"/>
-          </a:ln>
-        </p:spPr>
-        <p:style>
-          <a:lnRef idx="1">
-            <a:schemeClr val="accent1"/>
-          </a:lnRef>
-          <a:fillRef idx="0">
-            <a:schemeClr val="accent1"/>
-          </a:fillRef>
-          <a:effectRef idx="0">
-            <a:schemeClr val="accent1"/>
-          </a:effectRef>
-          <a:fontRef idx="minor">
-            <a:schemeClr val="tx1"/>
-          </a:fontRef>
-        </p:style>
-      </p:cxnSp>
-      <p:cxnSp>
-        <p:nvCxnSpPr>
-          <p:cNvPr id="63" name="直線コネクタ 62">
-            <a:extLst>
-              <a:ext uri="{FF2B5EF4-FFF2-40B4-BE49-F238E27FC236}">
-                <a16:creationId xmlns:a16="http://schemas.microsoft.com/office/drawing/2014/main" id="{3FAEBD61-2EB3-43EA-9418-82ED9607EC8F}"/>
-              </a:ext>
-            </a:extLst>
-          </p:cNvPr>
-          <p:cNvCxnSpPr>
-            <a:cxnSpLocks/>
-          </p:cNvCxnSpPr>
-          <p:nvPr/>
-        </p:nvCxnSpPr>
-        <p:spPr>
-          <a:xfrm>
-            <a:off x="3222494" y="2789836"/>
-            <a:ext cx="506592" cy="9998"/>
-          </a:xfrm>
-          <a:prstGeom prst="line">
-            <a:avLst/>
-          </a:prstGeom>
-          <a:ln>
-            <a:solidFill>
-              <a:srgbClr val="FF0000"/>
-            </a:solidFill>
-            <a:headEnd type="oval" w="med" len="med"/>
-            <a:tailEnd type="oval" w="med" len="med"/>
-          </a:ln>
-        </p:spPr>
-        <p:style>
-          <a:lnRef idx="1">
-            <a:schemeClr val="accent1"/>
-          </a:lnRef>
-          <a:fillRef idx="0">
-            <a:schemeClr val="accent1"/>
-          </a:fillRef>
-          <a:effectRef idx="0">
-            <a:schemeClr val="accent1"/>
-          </a:effectRef>
-          <a:fontRef idx="minor">
-            <a:schemeClr val="tx1"/>
-          </a:fontRef>
-        </p:style>
-      </p:cxnSp>
-      <p:cxnSp>
-        <p:nvCxnSpPr>
-          <p:cNvPr id="64" name="直線コネクタ 63">
-            <a:extLst>
-              <a:ext uri="{FF2B5EF4-FFF2-40B4-BE49-F238E27FC236}">
-                <a16:creationId xmlns:a16="http://schemas.microsoft.com/office/drawing/2014/main" id="{A8B63BAF-19EC-40DA-8E99-F91061E8D4B6}"/>
-              </a:ext>
-            </a:extLst>
-          </p:cNvPr>
-          <p:cNvCxnSpPr>
-            <a:cxnSpLocks/>
-          </p:cNvCxnSpPr>
-          <p:nvPr/>
-        </p:nvCxnSpPr>
-        <p:spPr>
-          <a:xfrm flipH="1" flipV="1">
-            <a:off x="3241404" y="2808544"/>
-            <a:ext cx="3908" cy="720475"/>
-          </a:xfrm>
-          <a:prstGeom prst="line">
-            <a:avLst/>
-          </a:prstGeom>
-          <a:ln>
-            <a:headEnd type="oval" w="med" len="med"/>
-            <a:tailEnd type="oval" w="med" len="med"/>
-          </a:ln>
-        </p:spPr>
-        <p:style>
-          <a:lnRef idx="1">
-            <a:schemeClr val="accent1"/>
-          </a:lnRef>
-          <a:fillRef idx="0">
-            <a:schemeClr val="accent1"/>
-          </a:fillRef>
-          <a:effectRef idx="0">
-            <a:schemeClr val="accent1"/>
-          </a:effectRef>
-          <a:fontRef idx="minor">
-            <a:schemeClr val="tx1"/>
-          </a:fontRef>
-        </p:style>
-      </p:cxnSp>
-      <p:cxnSp>
-        <p:nvCxnSpPr>
-          <p:cNvPr id="65" name="直線コネクタ 64">
-            <a:extLst>
-              <a:ext uri="{FF2B5EF4-FFF2-40B4-BE49-F238E27FC236}">
-                <a16:creationId xmlns:a16="http://schemas.microsoft.com/office/drawing/2014/main" id="{B4315C3B-4A4F-416B-8300-601801530EA8}"/>
-              </a:ext>
-            </a:extLst>
-          </p:cNvPr>
-          <p:cNvCxnSpPr>
-            <a:cxnSpLocks/>
-          </p:cNvCxnSpPr>
-          <p:nvPr/>
-        </p:nvCxnSpPr>
-        <p:spPr>
-          <a:xfrm flipH="1">
-            <a:off x="4989597" y="1804273"/>
-            <a:ext cx="3590" cy="478752"/>
-          </a:xfrm>
-          <a:prstGeom prst="line">
-            <a:avLst/>
-          </a:prstGeom>
-          <a:ln>
-            <a:solidFill>
-              <a:srgbClr val="FF0000"/>
-            </a:solidFill>
-            <a:headEnd type="oval" w="med" len="med"/>
-            <a:tailEnd type="oval" w="med" len="med"/>
-          </a:ln>
-        </p:spPr>
-        <p:style>
-          <a:lnRef idx="1">
-            <a:schemeClr val="accent1"/>
-          </a:lnRef>
-          <a:fillRef idx="0">
-            <a:schemeClr val="accent1"/>
-          </a:fillRef>
-          <a:effectRef idx="0">
-            <a:schemeClr val="accent1"/>
-          </a:effectRef>
-          <a:fontRef idx="minor">
-            <a:schemeClr val="tx1"/>
-          </a:fontRef>
-        </p:style>
-      </p:cxnSp>
-      <p:sp>
-        <p:nvSpPr>
-          <p:cNvPr id="66" name="楕円 65">
-            <a:extLst>
-              <a:ext uri="{FF2B5EF4-FFF2-40B4-BE49-F238E27FC236}">
-                <a16:creationId xmlns:a16="http://schemas.microsoft.com/office/drawing/2014/main" id="{8E0F1C47-BD3D-4356-80F4-A56C1A2D0900}"/>
-              </a:ext>
-            </a:extLst>
-          </p:cNvPr>
-          <p:cNvSpPr/>
-          <p:nvPr/>
-        </p:nvSpPr>
-        <p:spPr>
-          <a:xfrm flipH="1">
-            <a:off x="5708498" y="4509318"/>
-            <a:ext cx="45719" cy="45720"/>
-          </a:xfrm>
-          <a:prstGeom prst="ellipse">
-            <a:avLst/>
-          </a:prstGeom>
-        </p:spPr>
-        <p:style>
-          <a:lnRef idx="2">
-            <a:schemeClr val="accent1">
-              <a:shade val="50000"/>
-            </a:schemeClr>
-          </a:lnRef>
-          <a:fillRef idx="1">
-            <a:schemeClr val="accent1"/>
-          </a:fillRef>
-          <a:effectRef idx="0">
-            <a:schemeClr val="accent1"/>
-          </a:effectRef>
-          <a:fontRef idx="minor">
-            <a:schemeClr val="lt1"/>
-          </a:fontRef>
-        </p:style>
-        <p:txBody>
-          <a:bodyPr rtlCol="0" anchor="ctr"/>
-          <a:lstStyle/>
-          <a:p>
-            <a:pPr algn="ctr"/>
-            <a:endParaRPr lang="en-US"/>
-          </a:p>
-        </p:txBody>
-      </p:sp>
-      <p:sp>
-        <p:nvSpPr>
-          <p:cNvPr id="67" name="楕円 66">
-            <a:extLst>
-              <a:ext uri="{FF2B5EF4-FFF2-40B4-BE49-F238E27FC236}">
-                <a16:creationId xmlns:a16="http://schemas.microsoft.com/office/drawing/2014/main" id="{49BB2CD4-2063-49DD-A752-F1952EF48F6F}"/>
-              </a:ext>
-            </a:extLst>
-          </p:cNvPr>
-          <p:cNvSpPr/>
-          <p:nvPr/>
-        </p:nvSpPr>
-        <p:spPr>
-          <a:xfrm flipH="1">
-            <a:off x="5455890" y="4511406"/>
-            <a:ext cx="45719" cy="45720"/>
-          </a:xfrm>
-          <a:prstGeom prst="ellipse">
-            <a:avLst/>
-          </a:prstGeom>
-        </p:spPr>
-        <p:style>
-          <a:lnRef idx="2">
-            <a:schemeClr val="accent1">
-              <a:shade val="50000"/>
-            </a:schemeClr>
-          </a:lnRef>
-          <a:fillRef idx="1">
-            <a:schemeClr val="accent1"/>
-          </a:fillRef>
-          <a:effectRef idx="0">
-            <a:schemeClr val="accent1"/>
-          </a:effectRef>
-          <a:fontRef idx="minor">
-            <a:schemeClr val="lt1"/>
-          </a:fontRef>
-        </p:style>
-        <p:txBody>
-          <a:bodyPr rtlCol="0" anchor="ctr"/>
-          <a:lstStyle/>
-          <a:p>
-            <a:pPr algn="ctr"/>
-            <a:endParaRPr lang="en-US"/>
-          </a:p>
-        </p:txBody>
-      </p:sp>
-      <p:sp>
-        <p:nvSpPr>
-          <p:cNvPr id="68" name="楕円 67">
-            <a:extLst>
-              <a:ext uri="{FF2B5EF4-FFF2-40B4-BE49-F238E27FC236}">
-                <a16:creationId xmlns:a16="http://schemas.microsoft.com/office/drawing/2014/main" id="{811666AB-F6F1-467E-A0F2-D9EF876249F4}"/>
-              </a:ext>
-            </a:extLst>
-          </p:cNvPr>
-          <p:cNvSpPr/>
-          <p:nvPr/>
-        </p:nvSpPr>
-        <p:spPr>
-          <a:xfrm flipH="1">
-            <a:off x="5203282" y="4507231"/>
-            <a:ext cx="45719" cy="45720"/>
-          </a:xfrm>
-          <a:prstGeom prst="ellipse">
-            <a:avLst/>
-          </a:prstGeom>
-        </p:spPr>
-        <p:style>
-          <a:lnRef idx="2">
-            <a:schemeClr val="accent1">
-              <a:shade val="50000"/>
-            </a:schemeClr>
-          </a:lnRef>
-          <a:fillRef idx="1">
-            <a:schemeClr val="accent1"/>
-          </a:fillRef>
-          <a:effectRef idx="0">
-            <a:schemeClr val="accent1"/>
-          </a:effectRef>
-          <a:fontRef idx="minor">
-            <a:schemeClr val="lt1"/>
-          </a:fontRef>
-        </p:style>
-        <p:txBody>
-          <a:bodyPr rtlCol="0" anchor="ctr"/>
-          <a:lstStyle/>
-          <a:p>
-            <a:pPr algn="ctr"/>
-            <a:endParaRPr lang="en-US"/>
-          </a:p>
-        </p:txBody>
-      </p:sp>
-      <p:sp>
-        <p:nvSpPr>
-          <p:cNvPr id="69" name="楕円 68">
-            <a:extLst>
-              <a:ext uri="{FF2B5EF4-FFF2-40B4-BE49-F238E27FC236}">
-                <a16:creationId xmlns:a16="http://schemas.microsoft.com/office/drawing/2014/main" id="{F0E125F0-3F85-4E5F-A6C7-CA238C3EC8B3}"/>
-              </a:ext>
-            </a:extLst>
-          </p:cNvPr>
-          <p:cNvSpPr/>
-          <p:nvPr/>
-        </p:nvSpPr>
-        <p:spPr>
-          <a:xfrm flipH="1">
-            <a:off x="5946491" y="4509319"/>
-            <a:ext cx="45719" cy="45720"/>
-          </a:xfrm>
-          <a:prstGeom prst="ellipse">
-            <a:avLst/>
-          </a:prstGeom>
-        </p:spPr>
-        <p:style>
-          <a:lnRef idx="2">
-            <a:schemeClr val="accent1">
-              <a:shade val="50000"/>
-            </a:schemeClr>
-          </a:lnRef>
-          <a:fillRef idx="1">
-            <a:schemeClr val="accent1"/>
-          </a:fillRef>
-          <a:effectRef idx="0">
-            <a:schemeClr val="accent1"/>
-          </a:effectRef>
-          <a:fontRef idx="minor">
-            <a:schemeClr val="lt1"/>
-          </a:fontRef>
-        </p:style>
-        <p:txBody>
-          <a:bodyPr rtlCol="0" anchor="ctr"/>
-          <a:lstStyle/>
-          <a:p>
-            <a:pPr algn="ctr"/>
-            <a:endParaRPr lang="en-US"/>
-          </a:p>
-        </p:txBody>
-      </p:sp>
-      <p:sp>
-        <p:nvSpPr>
-          <p:cNvPr id="70" name="テキスト ボックス 69">
-            <a:extLst>
-              <a:ext uri="{FF2B5EF4-FFF2-40B4-BE49-F238E27FC236}">
-                <a16:creationId xmlns:a16="http://schemas.microsoft.com/office/drawing/2014/main" id="{4514232C-B667-4C66-AF6D-9F944DCA383F}"/>
-              </a:ext>
-            </a:extLst>
-          </p:cNvPr>
-          <p:cNvSpPr txBox="1"/>
-          <p:nvPr/>
-        </p:nvSpPr>
-        <p:spPr>
-          <a:xfrm>
-            <a:off x="4013092" y="3649019"/>
-            <a:ext cx="634477" cy="307777"/>
-          </a:xfrm>
-          <a:prstGeom prst="rect">
-            <a:avLst/>
-          </a:prstGeom>
-          <a:noFill/>
-        </p:spPr>
-        <p:txBody>
-          <a:bodyPr wrap="square" rtlCol="0">
-            <a:spAutoFit/>
-          </a:bodyPr>
-          <a:lstStyle/>
-          <a:p>
-            <a:r>
-              <a:rPr lang="en-US" sz="1400" dirty="0"/>
-              <a:t>0.1</a:t>
-            </a:r>
-            <a:r>
-              <a:rPr lang="en-US" altLang="ja-JP" sz="1400" dirty="0"/>
-              <a:t>μF</a:t>
-            </a:r>
-            <a:endParaRPr lang="en-US" sz="1400" dirty="0"/>
-          </a:p>
-        </p:txBody>
-      </p:sp>
-      <p:sp>
-        <p:nvSpPr>
-          <p:cNvPr id="71" name="テキスト ボックス 70">
-            <a:extLst>
-              <a:ext uri="{FF2B5EF4-FFF2-40B4-BE49-F238E27FC236}">
-                <a16:creationId xmlns:a16="http://schemas.microsoft.com/office/drawing/2014/main" id="{58D96C9E-3102-4B08-8F73-5E237B10A9BA}"/>
-              </a:ext>
-            </a:extLst>
-          </p:cNvPr>
-          <p:cNvSpPr txBox="1"/>
-          <p:nvPr/>
-        </p:nvSpPr>
-        <p:spPr>
-          <a:xfrm flipH="1">
-            <a:off x="4352977" y="2212094"/>
-            <a:ext cx="429926" cy="261610"/>
-          </a:xfrm>
-          <a:prstGeom prst="rect">
-            <a:avLst/>
-          </a:prstGeom>
-          <a:noFill/>
-        </p:spPr>
-        <p:txBody>
-          <a:bodyPr wrap="square" rtlCol="0">
-            <a:spAutoFit/>
-          </a:bodyPr>
-          <a:lstStyle/>
-          <a:p>
-            <a:r>
-              <a:rPr lang="en-US" sz="1100" dirty="0"/>
-              <a:t>AN6</a:t>
-            </a:r>
-          </a:p>
-        </p:txBody>
-      </p:sp>
-      <p:sp>
-        <p:nvSpPr>
-          <p:cNvPr id="72" name="テキスト ボックス 71">
-            <a:extLst>
-              <a:ext uri="{FF2B5EF4-FFF2-40B4-BE49-F238E27FC236}">
-                <a16:creationId xmlns:a16="http://schemas.microsoft.com/office/drawing/2014/main" id="{58E2F372-D933-4EF0-9589-E01884062F56}"/>
-              </a:ext>
-            </a:extLst>
-          </p:cNvPr>
-          <p:cNvSpPr txBox="1"/>
-          <p:nvPr/>
-        </p:nvSpPr>
-        <p:spPr>
-          <a:xfrm flipH="1">
-            <a:off x="4332429" y="2420326"/>
-            <a:ext cx="450097" cy="261610"/>
-          </a:xfrm>
-          <a:prstGeom prst="rect">
-            <a:avLst/>
-          </a:prstGeom>
-          <a:noFill/>
-        </p:spPr>
-        <p:txBody>
-          <a:bodyPr wrap="square" rtlCol="0">
-            <a:spAutoFit/>
-          </a:bodyPr>
-          <a:lstStyle/>
-          <a:p>
-            <a:r>
-              <a:rPr lang="en-US" sz="1100" dirty="0"/>
-              <a:t>AN5</a:t>
-            </a:r>
-          </a:p>
-        </p:txBody>
-      </p:sp>
-      <p:sp>
-        <p:nvSpPr>
-          <p:cNvPr id="73" name="テキスト ボックス 72">
-            <a:extLst>
-              <a:ext uri="{FF2B5EF4-FFF2-40B4-BE49-F238E27FC236}">
-                <a16:creationId xmlns:a16="http://schemas.microsoft.com/office/drawing/2014/main" id="{999668BD-4130-4481-A6FB-9F9DB3433613}"/>
-              </a:ext>
-            </a:extLst>
-          </p:cNvPr>
-          <p:cNvSpPr txBox="1"/>
-          <p:nvPr/>
-        </p:nvSpPr>
-        <p:spPr>
-          <a:xfrm flipH="1">
-            <a:off x="4365614" y="2690599"/>
-            <a:ext cx="429926" cy="261610"/>
-          </a:xfrm>
-          <a:prstGeom prst="rect">
-            <a:avLst/>
-          </a:prstGeom>
-          <a:noFill/>
-        </p:spPr>
-        <p:txBody>
-          <a:bodyPr wrap="none" rtlCol="0">
-            <a:spAutoFit/>
-          </a:bodyPr>
-          <a:lstStyle/>
-          <a:p>
-            <a:r>
-              <a:rPr lang="en-US" sz="1100" dirty="0"/>
-              <a:t>AN4</a:t>
-            </a:r>
-          </a:p>
-        </p:txBody>
-      </p:sp>
-      <p:sp>
-        <p:nvSpPr>
-          <p:cNvPr id="74" name="テキスト ボックス 73">
-            <a:extLst>
-              <a:ext uri="{FF2B5EF4-FFF2-40B4-BE49-F238E27FC236}">
-                <a16:creationId xmlns:a16="http://schemas.microsoft.com/office/drawing/2014/main" id="{58656A44-F4B5-4F8D-8BE9-09A7C4B882AE}"/>
-              </a:ext>
-            </a:extLst>
-          </p:cNvPr>
-          <p:cNvSpPr txBox="1"/>
-          <p:nvPr/>
-        </p:nvSpPr>
-        <p:spPr>
-          <a:xfrm flipH="1">
-            <a:off x="4359821" y="2922675"/>
-            <a:ext cx="429926" cy="261610"/>
-          </a:xfrm>
-          <a:prstGeom prst="rect">
-            <a:avLst/>
-          </a:prstGeom>
-          <a:noFill/>
-        </p:spPr>
-        <p:txBody>
-          <a:bodyPr wrap="none" rtlCol="0">
-            <a:spAutoFit/>
-          </a:bodyPr>
-          <a:lstStyle/>
-          <a:p>
-            <a:r>
-              <a:rPr lang="en-US" sz="1100" dirty="0"/>
-              <a:t>AN2</a:t>
-            </a:r>
-          </a:p>
-        </p:txBody>
-      </p:sp>
-      <p:sp>
-        <p:nvSpPr>
-          <p:cNvPr id="75" name="楕円 74">
-            <a:extLst>
-              <a:ext uri="{FF2B5EF4-FFF2-40B4-BE49-F238E27FC236}">
-                <a16:creationId xmlns:a16="http://schemas.microsoft.com/office/drawing/2014/main" id="{698A90ED-C2A9-4C34-AA12-6E8EEE964A72}"/>
-              </a:ext>
-            </a:extLst>
-          </p:cNvPr>
-          <p:cNvSpPr/>
-          <p:nvPr/>
-        </p:nvSpPr>
-        <p:spPr>
-          <a:xfrm flipH="1">
-            <a:off x="5698605" y="2281107"/>
-            <a:ext cx="45719" cy="45720"/>
-          </a:xfrm>
-          <a:prstGeom prst="ellipse">
-            <a:avLst/>
-          </a:prstGeom>
-        </p:spPr>
-        <p:style>
-          <a:lnRef idx="2">
-            <a:schemeClr val="accent1">
-              <a:shade val="50000"/>
-            </a:schemeClr>
-          </a:lnRef>
-          <a:fillRef idx="1">
-            <a:schemeClr val="accent1"/>
-          </a:fillRef>
-          <a:effectRef idx="0">
-            <a:schemeClr val="accent1"/>
-          </a:effectRef>
-          <a:fontRef idx="minor">
-            <a:schemeClr val="lt1"/>
-          </a:fontRef>
-        </p:style>
-        <p:txBody>
-          <a:bodyPr rtlCol="0" anchor="ctr"/>
-          <a:lstStyle/>
-          <a:p>
-            <a:pPr algn="ctr"/>
-            <a:endParaRPr lang="en-US"/>
-          </a:p>
-        </p:txBody>
-      </p:sp>
-      <p:sp>
-        <p:nvSpPr>
-          <p:cNvPr id="76" name="楕円 75">
-            <a:extLst>
-              <a:ext uri="{FF2B5EF4-FFF2-40B4-BE49-F238E27FC236}">
-                <a16:creationId xmlns:a16="http://schemas.microsoft.com/office/drawing/2014/main" id="{84AB521C-F157-4E76-AD76-86645EF88040}"/>
-              </a:ext>
-            </a:extLst>
-          </p:cNvPr>
-          <p:cNvSpPr/>
-          <p:nvPr/>
-        </p:nvSpPr>
-        <p:spPr>
-          <a:xfrm flipH="1">
-            <a:off x="5461490" y="2283087"/>
-            <a:ext cx="45719" cy="45720"/>
-          </a:xfrm>
-          <a:prstGeom prst="ellipse">
-            <a:avLst/>
-          </a:prstGeom>
-        </p:spPr>
-        <p:style>
-          <a:lnRef idx="2">
-            <a:schemeClr val="accent1">
-              <a:shade val="50000"/>
-            </a:schemeClr>
-          </a:lnRef>
-          <a:fillRef idx="1">
-            <a:schemeClr val="accent1"/>
-          </a:fillRef>
-          <a:effectRef idx="0">
-            <a:schemeClr val="accent1"/>
-          </a:effectRef>
-          <a:fontRef idx="minor">
-            <a:schemeClr val="lt1"/>
-          </a:fontRef>
-        </p:style>
-        <p:txBody>
-          <a:bodyPr rtlCol="0" anchor="ctr"/>
-          <a:lstStyle/>
-          <a:p>
-            <a:pPr algn="ctr"/>
-            <a:endParaRPr lang="en-US"/>
-          </a:p>
-        </p:txBody>
-      </p:sp>
-      <p:sp>
-        <p:nvSpPr>
-          <p:cNvPr id="77" name="楕円 76">
-            <a:extLst>
-              <a:ext uri="{FF2B5EF4-FFF2-40B4-BE49-F238E27FC236}">
-                <a16:creationId xmlns:a16="http://schemas.microsoft.com/office/drawing/2014/main" id="{12B307AA-CA5E-4DC4-A7F4-216B899EED46}"/>
-              </a:ext>
-            </a:extLst>
-          </p:cNvPr>
-          <p:cNvSpPr/>
-          <p:nvPr/>
-        </p:nvSpPr>
-        <p:spPr>
-          <a:xfrm flipH="1">
-            <a:off x="5207755" y="2278732"/>
-            <a:ext cx="45719" cy="45720"/>
-          </a:xfrm>
-          <a:prstGeom prst="ellipse">
-            <a:avLst/>
-          </a:prstGeom>
-        </p:spPr>
-        <p:style>
-          <a:lnRef idx="2">
-            <a:schemeClr val="accent1">
-              <a:shade val="50000"/>
-            </a:schemeClr>
-          </a:lnRef>
-          <a:fillRef idx="1">
-            <a:schemeClr val="accent1"/>
-          </a:fillRef>
-          <a:effectRef idx="0">
-            <a:schemeClr val="accent1"/>
-          </a:effectRef>
-          <a:fontRef idx="minor">
-            <a:schemeClr val="lt1"/>
-          </a:fontRef>
-        </p:style>
-        <p:txBody>
-          <a:bodyPr rtlCol="0" anchor="ctr"/>
-          <a:lstStyle/>
-          <a:p>
-            <a:pPr algn="ctr"/>
-            <a:endParaRPr lang="en-US"/>
-          </a:p>
-        </p:txBody>
-      </p:sp>
-      <p:sp>
-        <p:nvSpPr>
-          <p:cNvPr id="78" name="テキスト ボックス 77">
-            <a:extLst>
-              <a:ext uri="{FF2B5EF4-FFF2-40B4-BE49-F238E27FC236}">
-                <a16:creationId xmlns:a16="http://schemas.microsoft.com/office/drawing/2014/main" id="{54E5D496-8C73-43F1-B1D7-855690883A1A}"/>
-              </a:ext>
-            </a:extLst>
-          </p:cNvPr>
-          <p:cNvSpPr txBox="1"/>
-          <p:nvPr/>
-        </p:nvSpPr>
-        <p:spPr>
-          <a:xfrm>
-            <a:off x="4917895" y="5282068"/>
-            <a:ext cx="3147415" cy="584775"/>
-          </a:xfrm>
-          <a:prstGeom prst="rect">
-            <a:avLst/>
-          </a:prstGeom>
-          <a:noFill/>
-        </p:spPr>
-        <p:txBody>
-          <a:bodyPr wrap="square" rtlCol="0">
-            <a:spAutoFit/>
-          </a:bodyPr>
-          <a:lstStyle/>
-          <a:p>
-            <a:r>
-              <a:rPr lang="en-US" sz="1600" dirty="0"/>
-              <a:t>Pressure-sensitive sensor</a:t>
-            </a:r>
-          </a:p>
-          <a:p>
-            <a:r>
-              <a:rPr lang="en-US" sz="1600" dirty="0"/>
-              <a:t>Thermistor</a:t>
-            </a:r>
-          </a:p>
-        </p:txBody>
-      </p:sp>
-      <p:cxnSp>
-        <p:nvCxnSpPr>
-          <p:cNvPr id="79" name="直線コネクタ 78">
-            <a:extLst>
-              <a:ext uri="{FF2B5EF4-FFF2-40B4-BE49-F238E27FC236}">
-                <a16:creationId xmlns:a16="http://schemas.microsoft.com/office/drawing/2014/main" id="{4DFAC9E3-C8D2-40E4-85E1-A89A54523097}"/>
-              </a:ext>
-            </a:extLst>
-          </p:cNvPr>
-          <p:cNvCxnSpPr>
-            <a:cxnSpLocks/>
-          </p:cNvCxnSpPr>
-          <p:nvPr/>
-        </p:nvCxnSpPr>
-        <p:spPr>
-          <a:xfrm rot="16200000">
-            <a:off x="5353935" y="2927929"/>
-            <a:ext cx="253048" cy="0"/>
-          </a:xfrm>
-          <a:prstGeom prst="line">
-            <a:avLst/>
-          </a:prstGeom>
-          <a:ln>
-            <a:headEnd type="oval" w="med" len="med"/>
-            <a:tailEnd type="oval" w="med" len="med"/>
-          </a:ln>
-        </p:spPr>
-        <p:style>
-          <a:lnRef idx="1">
-            <a:schemeClr val="accent1"/>
-          </a:lnRef>
-          <a:fillRef idx="0">
-            <a:schemeClr val="accent1"/>
-          </a:fillRef>
-          <a:effectRef idx="0">
-            <a:schemeClr val="accent1"/>
-          </a:effectRef>
-          <a:fontRef idx="minor">
-            <a:schemeClr val="tx1"/>
-          </a:fontRef>
-        </p:style>
-      </p:cxnSp>
-      <p:cxnSp>
-        <p:nvCxnSpPr>
-          <p:cNvPr id="80" name="直線コネクタ 79">
-            <a:extLst>
-              <a:ext uri="{FF2B5EF4-FFF2-40B4-BE49-F238E27FC236}">
-                <a16:creationId xmlns:a16="http://schemas.microsoft.com/office/drawing/2014/main" id="{8A43D5D3-D388-435B-9EC8-6EFAC4551934}"/>
-              </a:ext>
-            </a:extLst>
-          </p:cNvPr>
-          <p:cNvCxnSpPr>
-            <a:cxnSpLocks/>
-          </p:cNvCxnSpPr>
-          <p:nvPr/>
-        </p:nvCxnSpPr>
-        <p:spPr>
-          <a:xfrm flipH="1" flipV="1">
-            <a:off x="5724749" y="2531849"/>
-            <a:ext cx="6521" cy="520862"/>
-          </a:xfrm>
-          <a:prstGeom prst="line">
-            <a:avLst/>
-          </a:prstGeom>
-          <a:ln>
-            <a:headEnd type="oval" w="med" len="med"/>
-            <a:tailEnd type="oval" w="med" len="med"/>
-          </a:ln>
-        </p:spPr>
-        <p:style>
-          <a:lnRef idx="1">
-            <a:schemeClr val="accent1"/>
-          </a:lnRef>
-          <a:fillRef idx="0">
-            <a:schemeClr val="accent1"/>
-          </a:fillRef>
-          <a:effectRef idx="0">
-            <a:schemeClr val="accent1"/>
-          </a:effectRef>
-          <a:fontRef idx="minor">
-            <a:schemeClr val="tx1"/>
-          </a:fontRef>
-        </p:style>
-      </p:cxnSp>
-      <p:cxnSp>
-        <p:nvCxnSpPr>
-          <p:cNvPr id="81" name="直線コネクタ 80">
-            <a:extLst>
-              <a:ext uri="{FF2B5EF4-FFF2-40B4-BE49-F238E27FC236}">
-                <a16:creationId xmlns:a16="http://schemas.microsoft.com/office/drawing/2014/main" id="{3A574B28-C491-4576-82B3-545DCE5A796A}"/>
-              </a:ext>
-            </a:extLst>
-          </p:cNvPr>
-          <p:cNvCxnSpPr>
-            <a:cxnSpLocks/>
-          </p:cNvCxnSpPr>
-          <p:nvPr/>
-        </p:nvCxnSpPr>
-        <p:spPr>
-          <a:xfrm flipH="1" flipV="1">
-            <a:off x="5971591" y="2536146"/>
-            <a:ext cx="6521" cy="520862"/>
-          </a:xfrm>
-          <a:prstGeom prst="line">
-            <a:avLst/>
-          </a:prstGeom>
-          <a:ln>
-            <a:headEnd type="oval" w="med" len="med"/>
-            <a:tailEnd type="oval" w="med" len="med"/>
-          </a:ln>
-        </p:spPr>
-        <p:style>
-          <a:lnRef idx="1">
-            <a:schemeClr val="accent1"/>
-          </a:lnRef>
-          <a:fillRef idx="0">
-            <a:schemeClr val="accent1"/>
-          </a:fillRef>
-          <a:effectRef idx="0">
-            <a:schemeClr val="accent1"/>
-          </a:effectRef>
-          <a:fontRef idx="minor">
-            <a:schemeClr val="tx1"/>
-          </a:fontRef>
-        </p:style>
-      </p:cxnSp>
     </p:spTree>
     <p:extLst>
       <p:ext uri="{BB962C8B-B14F-4D97-AF65-F5344CB8AC3E}">
-        <p14:creationId xmlns:p14="http://schemas.microsoft.com/office/powerpoint/2010/main" val="2252534985"/>
+        <p14:creationId xmlns:p14="http://schemas.microsoft.com/office/powerpoint/2010/main" val="2044281121"/>
       </p:ext>
     </p:extLst>
   </p:cSld>
